--- a/Романов И.О. АИТ Презентация.pptx
+++ b/Романов И.О. АИТ Презентация.pptx
@@ -4,6 +4,9 @@
   <p:sldMasterIdLst>
     <p:sldMasterId id="2147483648" r:id="rId1"/>
   </p:sldMasterIdLst>
+  <p:notesMasterIdLst>
+    <p:notesMasterId r:id="rId8"/>
+  </p:notesMasterIdLst>
   <p:sldIdLst>
     <p:sldId id="256" r:id="rId2"/>
     <p:sldId id="257" r:id="rId3"/>
@@ -117,6 +120,1043 @@
 </p:presentation>
 </file>
 
+<file path=ppt/authors.xml><?xml version="1.0" encoding="utf-8"?>
+<p188:authorLst xmlns:a="http://schemas.openxmlformats.org/drawingml/2006/main" xmlns:r="http://schemas.openxmlformats.org/officeDocument/2006/relationships" xmlns:p188="http://schemas.microsoft.com/office/powerpoint/2018/8/main">
+  <p188:author id="{41D53271-4977-5880-36D7-0D4EED156A29}" name="Илья Романов" initials="ИР" userId="48b061a1b3b43bb1" providerId="Windows Live"/>
+</p188:authorLst>
+</file>
+
+<file path=ppt/notesMasters/notesMaster1.xml><?xml version="1.0" encoding="utf-8"?>
+<p:notesMaster xmlns:a="http://schemas.openxmlformats.org/drawingml/2006/main" xmlns:r="http://schemas.openxmlformats.org/officeDocument/2006/relationships" xmlns:p="http://schemas.openxmlformats.org/presentationml/2006/main">
+  <p:cSld>
+    <p:bg>
+      <p:bgRef idx="1001">
+        <a:schemeClr val="bg1"/>
+      </p:bgRef>
+    </p:bg>
+    <p:spTree>
+      <p:nvGrpSpPr>
+        <p:cNvPr id="1" name=""/>
+        <p:cNvGrpSpPr/>
+        <p:nvPr/>
+      </p:nvGrpSpPr>
+      <p:grpSpPr>
+        <a:xfrm>
+          <a:off x="0" y="0"/>
+          <a:ext cx="0" cy="0"/>
+          <a:chOff x="0" y="0"/>
+          <a:chExt cx="0" cy="0"/>
+        </a:xfrm>
+      </p:grpSpPr>
+      <p:sp>
+        <p:nvSpPr>
+          <p:cNvPr id="2" name="Верхний колонтитул 1"/>
+          <p:cNvSpPr>
+            <a:spLocks noGrp="1"/>
+          </p:cNvSpPr>
+          <p:nvPr>
+            <p:ph type="hdr" sz="quarter"/>
+          </p:nvPr>
+        </p:nvSpPr>
+        <p:spPr>
+          <a:xfrm>
+            <a:off x="0" y="0"/>
+            <a:ext cx="2971800" cy="458788"/>
+          </a:xfrm>
+          <a:prstGeom prst="rect">
+            <a:avLst/>
+          </a:prstGeom>
+        </p:spPr>
+        <p:txBody>
+          <a:bodyPr vert="horz" lIns="91440" tIns="45720" rIns="91440" bIns="45720" rtlCol="0"/>
+          <a:lstStyle>
+            <a:lvl1pPr algn="l">
+              <a:defRPr sz="1200"/>
+            </a:lvl1pPr>
+          </a:lstStyle>
+          <a:p>
+            <a:endParaRPr lang="ru-RU"/>
+          </a:p>
+        </p:txBody>
+      </p:sp>
+      <p:sp>
+        <p:nvSpPr>
+          <p:cNvPr id="3" name="Дата 2"/>
+          <p:cNvSpPr>
+            <a:spLocks noGrp="1"/>
+          </p:cNvSpPr>
+          <p:nvPr>
+            <p:ph type="dt" idx="1"/>
+          </p:nvPr>
+        </p:nvSpPr>
+        <p:spPr>
+          <a:xfrm>
+            <a:off x="3884613" y="0"/>
+            <a:ext cx="2971800" cy="458788"/>
+          </a:xfrm>
+          <a:prstGeom prst="rect">
+            <a:avLst/>
+          </a:prstGeom>
+        </p:spPr>
+        <p:txBody>
+          <a:bodyPr vert="horz" lIns="91440" tIns="45720" rIns="91440" bIns="45720" rtlCol="0"/>
+          <a:lstStyle>
+            <a:lvl1pPr algn="r">
+              <a:defRPr sz="1200"/>
+            </a:lvl1pPr>
+          </a:lstStyle>
+          <a:p>
+            <a:fld id="{DFEFD910-8803-45E5-B212-BDFE66409CF8}" type="datetimeFigureOut">
+              <a:rPr lang="ru-RU" smtClean="0"/>
+              <a:t>17.04.2025</a:t>
+            </a:fld>
+            <a:endParaRPr lang="ru-RU"/>
+          </a:p>
+        </p:txBody>
+      </p:sp>
+      <p:sp>
+        <p:nvSpPr>
+          <p:cNvPr id="4" name="Образ слайда 3"/>
+          <p:cNvSpPr>
+            <a:spLocks noGrp="1" noRot="1" noChangeAspect="1"/>
+          </p:cNvSpPr>
+          <p:nvPr>
+            <p:ph type="sldImg" idx="2"/>
+          </p:nvPr>
+        </p:nvSpPr>
+        <p:spPr>
+          <a:xfrm>
+            <a:off x="685800" y="1143000"/>
+            <a:ext cx="5486400" cy="3086100"/>
+          </a:xfrm>
+          <a:prstGeom prst="rect">
+            <a:avLst/>
+          </a:prstGeom>
+          <a:noFill/>
+          <a:ln w="12700">
+            <a:solidFill>
+              <a:prstClr val="black"/>
+            </a:solidFill>
+          </a:ln>
+        </p:spPr>
+        <p:txBody>
+          <a:bodyPr vert="horz" lIns="91440" tIns="45720" rIns="91440" bIns="45720" rtlCol="0" anchor="ctr"/>
+          <a:lstStyle/>
+          <a:p>
+            <a:endParaRPr lang="ru-RU"/>
+          </a:p>
+        </p:txBody>
+      </p:sp>
+      <p:sp>
+        <p:nvSpPr>
+          <p:cNvPr id="5" name="Заметки 4"/>
+          <p:cNvSpPr>
+            <a:spLocks noGrp="1"/>
+          </p:cNvSpPr>
+          <p:nvPr>
+            <p:ph type="body" sz="quarter" idx="3"/>
+          </p:nvPr>
+        </p:nvSpPr>
+        <p:spPr>
+          <a:xfrm>
+            <a:off x="685800" y="4400550"/>
+            <a:ext cx="5486400" cy="3600450"/>
+          </a:xfrm>
+          <a:prstGeom prst="rect">
+            <a:avLst/>
+          </a:prstGeom>
+        </p:spPr>
+        <p:txBody>
+          <a:bodyPr vert="horz" lIns="91440" tIns="45720" rIns="91440" bIns="45720" rtlCol="0"/>
+          <a:lstStyle/>
+          <a:p>
+            <a:pPr lvl="0"/>
+            <a:r>
+              <a:rPr lang="ru-RU"/>
+              <a:t>Образец текста</a:t>
+            </a:r>
+          </a:p>
+          <a:p>
+            <a:pPr lvl="1"/>
+            <a:r>
+              <a:rPr lang="ru-RU"/>
+              <a:t>Второй уровень</a:t>
+            </a:r>
+          </a:p>
+          <a:p>
+            <a:pPr lvl="2"/>
+            <a:r>
+              <a:rPr lang="ru-RU"/>
+              <a:t>Третий уровень</a:t>
+            </a:r>
+          </a:p>
+          <a:p>
+            <a:pPr lvl="3"/>
+            <a:r>
+              <a:rPr lang="ru-RU"/>
+              <a:t>Четвертый уровень</a:t>
+            </a:r>
+          </a:p>
+          <a:p>
+            <a:pPr lvl="4"/>
+            <a:r>
+              <a:rPr lang="ru-RU"/>
+              <a:t>Пятый уровень</a:t>
+            </a:r>
+          </a:p>
+        </p:txBody>
+      </p:sp>
+      <p:sp>
+        <p:nvSpPr>
+          <p:cNvPr id="6" name="Нижний колонтитул 5"/>
+          <p:cNvSpPr>
+            <a:spLocks noGrp="1"/>
+          </p:cNvSpPr>
+          <p:nvPr>
+            <p:ph type="ftr" sz="quarter" idx="4"/>
+          </p:nvPr>
+        </p:nvSpPr>
+        <p:spPr>
+          <a:xfrm>
+            <a:off x="0" y="8685213"/>
+            <a:ext cx="2971800" cy="458787"/>
+          </a:xfrm>
+          <a:prstGeom prst="rect">
+            <a:avLst/>
+          </a:prstGeom>
+        </p:spPr>
+        <p:txBody>
+          <a:bodyPr vert="horz" lIns="91440" tIns="45720" rIns="91440" bIns="45720" rtlCol="0" anchor="b"/>
+          <a:lstStyle>
+            <a:lvl1pPr algn="l">
+              <a:defRPr sz="1200"/>
+            </a:lvl1pPr>
+          </a:lstStyle>
+          <a:p>
+            <a:endParaRPr lang="ru-RU"/>
+          </a:p>
+        </p:txBody>
+      </p:sp>
+      <p:sp>
+        <p:nvSpPr>
+          <p:cNvPr id="7" name="Номер слайда 6"/>
+          <p:cNvSpPr>
+            <a:spLocks noGrp="1"/>
+          </p:cNvSpPr>
+          <p:nvPr>
+            <p:ph type="sldNum" sz="quarter" idx="5"/>
+          </p:nvPr>
+        </p:nvSpPr>
+        <p:spPr>
+          <a:xfrm>
+            <a:off x="3884613" y="8685213"/>
+            <a:ext cx="2971800" cy="458787"/>
+          </a:xfrm>
+          <a:prstGeom prst="rect">
+            <a:avLst/>
+          </a:prstGeom>
+        </p:spPr>
+        <p:txBody>
+          <a:bodyPr vert="horz" lIns="91440" tIns="45720" rIns="91440" bIns="45720" rtlCol="0" anchor="b"/>
+          <a:lstStyle>
+            <a:lvl1pPr algn="r">
+              <a:defRPr sz="1200"/>
+            </a:lvl1pPr>
+          </a:lstStyle>
+          <a:p>
+            <a:fld id="{DFBC7FCB-A49B-4D65-AABF-F134B0745EA1}" type="slidenum">
+              <a:rPr lang="ru-RU" smtClean="0"/>
+              <a:t>‹#›</a:t>
+            </a:fld>
+            <a:endParaRPr lang="ru-RU"/>
+          </a:p>
+        </p:txBody>
+      </p:sp>
+    </p:spTree>
+    <p:extLst>
+      <p:ext uri="{BB962C8B-B14F-4D97-AF65-F5344CB8AC3E}">
+        <p14:creationId xmlns:p14="http://schemas.microsoft.com/office/powerpoint/2010/main" val="2403188107"/>
+      </p:ext>
+    </p:extLst>
+  </p:cSld>
+  <p:clrMap bg1="lt1" tx1="dk1" bg2="lt2" tx2="dk2" accent1="accent1" accent2="accent2" accent3="accent3" accent4="accent4" accent5="accent5" accent6="accent6" hlink="hlink" folHlink="folHlink"/>
+  <p:notesStyle>
+    <a:lvl1pPr marL="0" algn="l" defTabSz="914400" rtl="0" eaLnBrk="1" latinLnBrk="0" hangingPunct="1">
+      <a:defRPr sz="1200" kern="1200">
+        <a:solidFill>
+          <a:schemeClr val="tx1"/>
+        </a:solidFill>
+        <a:latin typeface="+mn-lt"/>
+        <a:ea typeface="+mn-ea"/>
+        <a:cs typeface="+mn-cs"/>
+      </a:defRPr>
+    </a:lvl1pPr>
+    <a:lvl2pPr marL="457200" algn="l" defTabSz="914400" rtl="0" eaLnBrk="1" latinLnBrk="0" hangingPunct="1">
+      <a:defRPr sz="1200" kern="1200">
+        <a:solidFill>
+          <a:schemeClr val="tx1"/>
+        </a:solidFill>
+        <a:latin typeface="+mn-lt"/>
+        <a:ea typeface="+mn-ea"/>
+        <a:cs typeface="+mn-cs"/>
+      </a:defRPr>
+    </a:lvl2pPr>
+    <a:lvl3pPr marL="914400" algn="l" defTabSz="914400" rtl="0" eaLnBrk="1" latinLnBrk="0" hangingPunct="1">
+      <a:defRPr sz="1200" kern="1200">
+        <a:solidFill>
+          <a:schemeClr val="tx1"/>
+        </a:solidFill>
+        <a:latin typeface="+mn-lt"/>
+        <a:ea typeface="+mn-ea"/>
+        <a:cs typeface="+mn-cs"/>
+      </a:defRPr>
+    </a:lvl3pPr>
+    <a:lvl4pPr marL="1371600" algn="l" defTabSz="914400" rtl="0" eaLnBrk="1" latinLnBrk="0" hangingPunct="1">
+      <a:defRPr sz="1200" kern="1200">
+        <a:solidFill>
+          <a:schemeClr val="tx1"/>
+        </a:solidFill>
+        <a:latin typeface="+mn-lt"/>
+        <a:ea typeface="+mn-ea"/>
+        <a:cs typeface="+mn-cs"/>
+      </a:defRPr>
+    </a:lvl4pPr>
+    <a:lvl5pPr marL="1828800" algn="l" defTabSz="914400" rtl="0" eaLnBrk="1" latinLnBrk="0" hangingPunct="1">
+      <a:defRPr sz="1200" kern="1200">
+        <a:solidFill>
+          <a:schemeClr val="tx1"/>
+        </a:solidFill>
+        <a:latin typeface="+mn-lt"/>
+        <a:ea typeface="+mn-ea"/>
+        <a:cs typeface="+mn-cs"/>
+      </a:defRPr>
+    </a:lvl5pPr>
+    <a:lvl6pPr marL="2286000" algn="l" defTabSz="914400" rtl="0" eaLnBrk="1" latinLnBrk="0" hangingPunct="1">
+      <a:defRPr sz="1200" kern="1200">
+        <a:solidFill>
+          <a:schemeClr val="tx1"/>
+        </a:solidFill>
+        <a:latin typeface="+mn-lt"/>
+        <a:ea typeface="+mn-ea"/>
+        <a:cs typeface="+mn-cs"/>
+      </a:defRPr>
+    </a:lvl6pPr>
+    <a:lvl7pPr marL="2743200" algn="l" defTabSz="914400" rtl="0" eaLnBrk="1" latinLnBrk="0" hangingPunct="1">
+      <a:defRPr sz="1200" kern="1200">
+        <a:solidFill>
+          <a:schemeClr val="tx1"/>
+        </a:solidFill>
+        <a:latin typeface="+mn-lt"/>
+        <a:ea typeface="+mn-ea"/>
+        <a:cs typeface="+mn-cs"/>
+      </a:defRPr>
+    </a:lvl7pPr>
+    <a:lvl8pPr marL="3200400" algn="l" defTabSz="914400" rtl="0" eaLnBrk="1" latinLnBrk="0" hangingPunct="1">
+      <a:defRPr sz="1200" kern="1200">
+        <a:solidFill>
+          <a:schemeClr val="tx1"/>
+        </a:solidFill>
+        <a:latin typeface="+mn-lt"/>
+        <a:ea typeface="+mn-ea"/>
+        <a:cs typeface="+mn-cs"/>
+      </a:defRPr>
+    </a:lvl8pPr>
+    <a:lvl9pPr marL="3657600" algn="l" defTabSz="914400" rtl="0" eaLnBrk="1" latinLnBrk="0" hangingPunct="1">
+      <a:defRPr sz="1200" kern="1200">
+        <a:solidFill>
+          <a:schemeClr val="tx1"/>
+        </a:solidFill>
+        <a:latin typeface="+mn-lt"/>
+        <a:ea typeface="+mn-ea"/>
+        <a:cs typeface="+mn-cs"/>
+      </a:defRPr>
+    </a:lvl9pPr>
+  </p:notesStyle>
+</p:notesMaster>
+</file>
+
+<file path=ppt/notesSlides/notesSlide1.xml><?xml version="1.0" encoding="utf-8"?>
+<p:notes xmlns:a="http://schemas.openxmlformats.org/drawingml/2006/main" xmlns:r="http://schemas.openxmlformats.org/officeDocument/2006/relationships" xmlns:p="http://schemas.openxmlformats.org/presentationml/2006/main">
+  <p:cSld>
+    <p:spTree>
+      <p:nvGrpSpPr>
+        <p:cNvPr id="1" name=""/>
+        <p:cNvGrpSpPr/>
+        <p:nvPr/>
+      </p:nvGrpSpPr>
+      <p:grpSpPr>
+        <a:xfrm>
+          <a:off x="0" y="0"/>
+          <a:ext cx="0" cy="0"/>
+          <a:chOff x="0" y="0"/>
+          <a:chExt cx="0" cy="0"/>
+        </a:xfrm>
+      </p:grpSpPr>
+      <p:sp>
+        <p:nvSpPr>
+          <p:cNvPr id="2" name="Образ слайда 1"/>
+          <p:cNvSpPr>
+            <a:spLocks noGrp="1" noRot="1" noChangeAspect="1"/>
+          </p:cNvSpPr>
+          <p:nvPr>
+            <p:ph type="sldImg"/>
+          </p:nvPr>
+        </p:nvSpPr>
+        <p:spPr/>
+      </p:sp>
+      <p:sp>
+        <p:nvSpPr>
+          <p:cNvPr id="3" name="Заметки 2"/>
+          <p:cNvSpPr>
+            <a:spLocks noGrp="1"/>
+          </p:cNvSpPr>
+          <p:nvPr>
+            <p:ph type="body" idx="1"/>
+          </p:nvPr>
+        </p:nvSpPr>
+        <p:spPr/>
+        <p:txBody>
+          <a:bodyPr/>
+          <a:lstStyle/>
+          <a:p>
+            <a:r>
+              <a:rPr lang="ru-RU" dirty="0"/>
+              <a:t>Добрый день, коллеги. Выступает студент группы ИДМ-23-08 Романов Илья. Научный руководитель Бердюгин Антон Валерьевич.</a:t>
+            </a:r>
+          </a:p>
+          <a:p>
+            <a:r>
+              <a:rPr lang="ru-RU" dirty="0"/>
+              <a:t>Тема статьи – Современные средства оценки качества проведённых занятий</a:t>
+            </a:r>
+          </a:p>
+        </p:txBody>
+      </p:sp>
+      <p:sp>
+        <p:nvSpPr>
+          <p:cNvPr id="4" name="Номер слайда 3"/>
+          <p:cNvSpPr>
+            <a:spLocks noGrp="1"/>
+          </p:cNvSpPr>
+          <p:nvPr>
+            <p:ph type="sldNum" sz="quarter" idx="5"/>
+          </p:nvPr>
+        </p:nvSpPr>
+        <p:spPr/>
+        <p:txBody>
+          <a:bodyPr/>
+          <a:lstStyle/>
+          <a:p>
+            <a:fld id="{DFBC7FCB-A49B-4D65-AABF-F134B0745EA1}" type="slidenum">
+              <a:rPr lang="ru-RU" smtClean="0"/>
+              <a:t>1</a:t>
+            </a:fld>
+            <a:endParaRPr lang="ru-RU"/>
+          </a:p>
+        </p:txBody>
+      </p:sp>
+    </p:spTree>
+    <p:extLst>
+      <p:ext uri="{BB962C8B-B14F-4D97-AF65-F5344CB8AC3E}">
+        <p14:creationId xmlns:p14="http://schemas.microsoft.com/office/powerpoint/2010/main" val="3361190976"/>
+      </p:ext>
+    </p:extLst>
+  </p:cSld>
+  <p:clrMapOvr>
+    <a:masterClrMapping/>
+  </p:clrMapOvr>
+</p:notes>
+</file>
+
+<file path=ppt/notesSlides/notesSlide2.xml><?xml version="1.0" encoding="utf-8"?>
+<p:notes xmlns:a="http://schemas.openxmlformats.org/drawingml/2006/main" xmlns:r="http://schemas.openxmlformats.org/officeDocument/2006/relationships" xmlns:p="http://schemas.openxmlformats.org/presentationml/2006/main">
+  <p:cSld>
+    <p:spTree>
+      <p:nvGrpSpPr>
+        <p:cNvPr id="1" name=""/>
+        <p:cNvGrpSpPr/>
+        <p:nvPr/>
+      </p:nvGrpSpPr>
+      <p:grpSpPr>
+        <a:xfrm>
+          <a:off x="0" y="0"/>
+          <a:ext cx="0" cy="0"/>
+          <a:chOff x="0" y="0"/>
+          <a:chExt cx="0" cy="0"/>
+        </a:xfrm>
+      </p:grpSpPr>
+      <p:sp>
+        <p:nvSpPr>
+          <p:cNvPr id="2" name="Образ слайда 1"/>
+          <p:cNvSpPr>
+            <a:spLocks noGrp="1" noRot="1" noChangeAspect="1"/>
+          </p:cNvSpPr>
+          <p:nvPr>
+            <p:ph type="sldImg"/>
+          </p:nvPr>
+        </p:nvSpPr>
+        <p:spPr/>
+      </p:sp>
+      <p:sp>
+        <p:nvSpPr>
+          <p:cNvPr id="3" name="Заметки 2"/>
+          <p:cNvSpPr>
+            <a:spLocks noGrp="1"/>
+          </p:cNvSpPr>
+          <p:nvPr>
+            <p:ph type="body" idx="1"/>
+          </p:nvPr>
+        </p:nvSpPr>
+        <p:spPr/>
+        <p:txBody>
+          <a:bodyPr/>
+          <a:lstStyle/>
+          <a:p>
+            <a:pPr indent="450215" algn="just">
+              <a:lnSpc>
+                <a:spcPct val="115000"/>
+              </a:lnSpc>
+              <a:spcAft>
+                <a:spcPts val="1000"/>
+              </a:spcAft>
+              <a:buNone/>
+            </a:pPr>
+            <a:r>
+              <a:rPr lang="ru-RU" sz="1800" dirty="0">
+                <a:solidFill>
+                  <a:srgbClr val="000000"/>
+                </a:solidFill>
+                <a:effectLst/>
+                <a:latin typeface="Times New Roman" panose="02020603050405020304" pitchFamily="18" charset="0"/>
+                <a:ea typeface="Calibri" panose="020F0502020204030204" pitchFamily="34" charset="0"/>
+                <a:cs typeface="Times New Roman" panose="02020603050405020304" pitchFamily="18" charset="0"/>
+              </a:rPr>
+              <a:t>Однако, готовые цифровые инструменты, существующие на рынке, которые позволяют автоматизировать сбор и проводить анализ собранных данных, не могут в полной мере удовлетворить потребность агрегации данных по различным административным единицам учреждений высшего образования. </a:t>
+            </a:r>
+            <a:endParaRPr lang="ru-RU" sz="1800" dirty="0">
+              <a:effectLst/>
+              <a:latin typeface="Calibri" panose="020F0502020204030204" pitchFamily="34" charset="0"/>
+              <a:ea typeface="Calibri" panose="020F0502020204030204" pitchFamily="34" charset="0"/>
+              <a:cs typeface="Times New Roman" panose="02020603050405020304" pitchFamily="18" charset="0"/>
+            </a:endParaRPr>
+          </a:p>
+          <a:p>
+            <a:pPr indent="450215" algn="just">
+              <a:lnSpc>
+                <a:spcPct val="115000"/>
+              </a:lnSpc>
+              <a:spcAft>
+                <a:spcPts val="1000"/>
+              </a:spcAft>
+            </a:pPr>
+            <a:r>
+              <a:rPr lang="ru-RU" sz="1800" dirty="0">
+                <a:solidFill>
+                  <a:srgbClr val="000000"/>
+                </a:solidFill>
+                <a:effectLst/>
+                <a:latin typeface="Times New Roman" panose="02020603050405020304" pitchFamily="18" charset="0"/>
+                <a:ea typeface="Calibri" panose="020F0502020204030204" pitchFamily="34" charset="0"/>
+                <a:cs typeface="Times New Roman" panose="02020603050405020304" pitchFamily="18" charset="0"/>
+              </a:rPr>
+              <a:t>В этой связи, для улучшения качества предоставления услуг образования, анализа собранных данных и аудита, планируется разработать программное решение, которое обеспечит единую точку сбора метрик, их анализа и инструментов агрегации по целевым признакам и административным единицам. </a:t>
+            </a:r>
+            <a:endParaRPr lang="ru-RU" sz="1800" dirty="0">
+              <a:effectLst/>
+              <a:latin typeface="Calibri" panose="020F0502020204030204" pitchFamily="34" charset="0"/>
+              <a:ea typeface="Calibri" panose="020F0502020204030204" pitchFamily="34" charset="0"/>
+              <a:cs typeface="Times New Roman" panose="02020603050405020304" pitchFamily="18" charset="0"/>
+            </a:endParaRPr>
+          </a:p>
+          <a:p>
+            <a:endParaRPr lang="ru-RU" dirty="0"/>
+          </a:p>
+        </p:txBody>
+      </p:sp>
+      <p:sp>
+        <p:nvSpPr>
+          <p:cNvPr id="4" name="Номер слайда 3"/>
+          <p:cNvSpPr>
+            <a:spLocks noGrp="1"/>
+          </p:cNvSpPr>
+          <p:nvPr>
+            <p:ph type="sldNum" sz="quarter" idx="5"/>
+          </p:nvPr>
+        </p:nvSpPr>
+        <p:spPr/>
+        <p:txBody>
+          <a:bodyPr/>
+          <a:lstStyle/>
+          <a:p>
+            <a:fld id="{DFBC7FCB-A49B-4D65-AABF-F134B0745EA1}" type="slidenum">
+              <a:rPr lang="ru-RU" smtClean="0"/>
+              <a:t>3</a:t>
+            </a:fld>
+            <a:endParaRPr lang="ru-RU"/>
+          </a:p>
+        </p:txBody>
+      </p:sp>
+    </p:spTree>
+    <p:extLst>
+      <p:ext uri="{BB962C8B-B14F-4D97-AF65-F5344CB8AC3E}">
+        <p14:creationId xmlns:p14="http://schemas.microsoft.com/office/powerpoint/2010/main" val="55066451"/>
+      </p:ext>
+    </p:extLst>
+  </p:cSld>
+  <p:clrMapOvr>
+    <a:masterClrMapping/>
+  </p:clrMapOvr>
+</p:notes>
+</file>
+
+<file path=ppt/notesSlides/notesSlide3.xml><?xml version="1.0" encoding="utf-8"?>
+<p:notes xmlns:a="http://schemas.openxmlformats.org/drawingml/2006/main" xmlns:r="http://schemas.openxmlformats.org/officeDocument/2006/relationships" xmlns:p="http://schemas.openxmlformats.org/presentationml/2006/main">
+  <p:cSld>
+    <p:spTree>
+      <p:nvGrpSpPr>
+        <p:cNvPr id="1" name=""/>
+        <p:cNvGrpSpPr/>
+        <p:nvPr/>
+      </p:nvGrpSpPr>
+      <p:grpSpPr>
+        <a:xfrm>
+          <a:off x="0" y="0"/>
+          <a:ext cx="0" cy="0"/>
+          <a:chOff x="0" y="0"/>
+          <a:chExt cx="0" cy="0"/>
+        </a:xfrm>
+      </p:grpSpPr>
+      <p:sp>
+        <p:nvSpPr>
+          <p:cNvPr id="2" name="Образ слайда 1"/>
+          <p:cNvSpPr>
+            <a:spLocks noGrp="1" noRot="1" noChangeAspect="1"/>
+          </p:cNvSpPr>
+          <p:nvPr>
+            <p:ph type="sldImg"/>
+          </p:nvPr>
+        </p:nvSpPr>
+        <p:spPr/>
+      </p:sp>
+      <p:sp>
+        <p:nvSpPr>
+          <p:cNvPr id="3" name="Заметки 2"/>
+          <p:cNvSpPr>
+            <a:spLocks noGrp="1"/>
+          </p:cNvSpPr>
+          <p:nvPr>
+            <p:ph type="body" idx="1"/>
+          </p:nvPr>
+        </p:nvSpPr>
+        <p:spPr/>
+        <p:txBody>
+          <a:bodyPr/>
+          <a:lstStyle/>
+          <a:p>
+            <a:pPr marL="0" marR="0" lvl="0" indent="0" algn="l" defTabSz="914400" rtl="0" eaLnBrk="1" fontAlgn="auto" latinLnBrk="0" hangingPunct="1">
+              <a:lnSpc>
+                <a:spcPct val="100000"/>
+              </a:lnSpc>
+              <a:spcBef>
+                <a:spcPts val="0"/>
+              </a:spcBef>
+              <a:spcAft>
+                <a:spcPts val="0"/>
+              </a:spcAft>
+              <a:buClrTx/>
+              <a:buSzTx/>
+              <a:buFontTx/>
+              <a:buNone/>
+              <a:tabLst/>
+              <a:defRPr/>
+            </a:pPr>
+            <a:r>
+              <a:rPr lang="ru-RU" sz="1800" dirty="0">
+                <a:solidFill>
+                  <a:srgbClr val="000000"/>
+                </a:solidFill>
+                <a:effectLst/>
+                <a:latin typeface="Times New Roman" panose="02020603050405020304" pitchFamily="18" charset="0"/>
+                <a:ea typeface="Calibri" panose="020F0502020204030204" pitchFamily="34" charset="0"/>
+                <a:cs typeface="Times New Roman" panose="02020603050405020304" pitchFamily="18" charset="0"/>
+              </a:rPr>
+              <a:t>Перед разработкой целевой системы был проведён анализ существующих популярных решений и сформирована сравнительная характеристика по целевым критериям, описывающем необходимость в разработке.</a:t>
+            </a:r>
+          </a:p>
+          <a:p>
+            <a:pPr marL="0" marR="0" lvl="0" indent="0" algn="l" defTabSz="914400" rtl="0" eaLnBrk="1" fontAlgn="auto" latinLnBrk="0" hangingPunct="1">
+              <a:lnSpc>
+                <a:spcPct val="100000"/>
+              </a:lnSpc>
+              <a:spcBef>
+                <a:spcPts val="0"/>
+              </a:spcBef>
+              <a:spcAft>
+                <a:spcPts val="0"/>
+              </a:spcAft>
+              <a:buClrTx/>
+              <a:buSzTx/>
+              <a:buFontTx/>
+              <a:buNone/>
+              <a:tabLst/>
+              <a:defRPr/>
+            </a:pPr>
+            <a:r>
+              <a:rPr lang="ru-RU" sz="1800" dirty="0">
+                <a:solidFill>
+                  <a:srgbClr val="000000"/>
+                </a:solidFill>
+                <a:effectLst/>
+                <a:latin typeface="Times New Roman" panose="02020603050405020304" pitchFamily="18" charset="0"/>
+                <a:ea typeface="Calibri" panose="020F0502020204030204" pitchFamily="34" charset="0"/>
+                <a:cs typeface="Times New Roman" panose="02020603050405020304" pitchFamily="18" charset="0"/>
+              </a:rPr>
+              <a:t>Для репрезентативности, в сводную таблицу вошли те критерии, для достижения которых разрабатывается целевая система.</a:t>
+            </a:r>
+          </a:p>
+          <a:p>
+            <a:pPr marL="0" marR="0" lvl="0" indent="0" algn="l" defTabSz="914400" rtl="0" eaLnBrk="1" fontAlgn="auto" latinLnBrk="0" hangingPunct="1">
+              <a:lnSpc>
+                <a:spcPct val="100000"/>
+              </a:lnSpc>
+              <a:spcBef>
+                <a:spcPts val="0"/>
+              </a:spcBef>
+              <a:spcAft>
+                <a:spcPts val="0"/>
+              </a:spcAft>
+              <a:buClrTx/>
+              <a:buSzTx/>
+              <a:buFontTx/>
+              <a:buNone/>
+              <a:tabLst/>
+              <a:defRPr/>
+            </a:pPr>
+            <a:endParaRPr lang="ru-RU" sz="1800" dirty="0">
+              <a:solidFill>
+                <a:srgbClr val="000000"/>
+              </a:solidFill>
+              <a:effectLst/>
+              <a:latin typeface="Times New Roman" panose="02020603050405020304" pitchFamily="18" charset="0"/>
+              <a:ea typeface="Calibri" panose="020F0502020204030204" pitchFamily="34" charset="0"/>
+              <a:cs typeface="Times New Roman" panose="02020603050405020304" pitchFamily="18" charset="0"/>
+            </a:endParaRPr>
+          </a:p>
+          <a:p>
+            <a:pPr marL="0" marR="0" lvl="0" indent="0" algn="l" defTabSz="914400" rtl="0" eaLnBrk="1" fontAlgn="auto" latinLnBrk="0" hangingPunct="1">
+              <a:lnSpc>
+                <a:spcPct val="100000"/>
+              </a:lnSpc>
+              <a:spcBef>
+                <a:spcPts val="0"/>
+              </a:spcBef>
+              <a:spcAft>
+                <a:spcPts val="0"/>
+              </a:spcAft>
+              <a:buClrTx/>
+              <a:buSzTx/>
+              <a:buFontTx/>
+              <a:buNone/>
+              <a:tabLst/>
+              <a:defRPr/>
+            </a:pPr>
+            <a:r>
+              <a:rPr lang="ru-RU" sz="1800" dirty="0">
+                <a:solidFill>
+                  <a:srgbClr val="000000"/>
+                </a:solidFill>
+                <a:effectLst/>
+                <a:latin typeface="Times New Roman" panose="02020603050405020304" pitchFamily="18" charset="0"/>
+                <a:ea typeface="Calibri" panose="020F0502020204030204" pitchFamily="34" charset="0"/>
+                <a:cs typeface="Times New Roman" panose="02020603050405020304" pitchFamily="18" charset="0"/>
+              </a:rPr>
+              <a:t>Так, в самых популярных  системах сбора метрик и</a:t>
+            </a:r>
+            <a:r>
+              <a:rPr lang="en-US" sz="1800" dirty="0">
+                <a:solidFill>
+                  <a:srgbClr val="000000"/>
+                </a:solidFill>
+                <a:effectLst/>
+                <a:latin typeface="Times New Roman" panose="02020603050405020304" pitchFamily="18" charset="0"/>
+                <a:ea typeface="Calibri" panose="020F0502020204030204" pitchFamily="34" charset="0"/>
+                <a:cs typeface="Times New Roman" panose="02020603050405020304" pitchFamily="18" charset="0"/>
+              </a:rPr>
+              <a:t>/</a:t>
+            </a:r>
+            <a:r>
+              <a:rPr lang="ru-RU" sz="1800" dirty="0">
+                <a:solidFill>
+                  <a:srgbClr val="000000"/>
+                </a:solidFill>
+                <a:effectLst/>
+                <a:latin typeface="Times New Roman" panose="02020603050405020304" pitchFamily="18" charset="0"/>
+                <a:ea typeface="Calibri" panose="020F0502020204030204" pitchFamily="34" charset="0"/>
+                <a:cs typeface="Times New Roman" panose="02020603050405020304" pitchFamily="18" charset="0"/>
+              </a:rPr>
+              <a:t>или онлайн-образования отсутствуют возможности анализа вовлеченности </a:t>
+            </a:r>
+            <a:r>
+              <a:rPr lang="en-US" sz="1800" dirty="0">
+                <a:solidFill>
+                  <a:srgbClr val="000000"/>
+                </a:solidFill>
+                <a:effectLst/>
+                <a:latin typeface="Times New Roman" panose="02020603050405020304" pitchFamily="18" charset="0"/>
+                <a:ea typeface="Calibri" panose="020F0502020204030204" pitchFamily="34" charset="0"/>
+                <a:cs typeface="Times New Roman" panose="02020603050405020304" pitchFamily="18" charset="0"/>
+              </a:rPr>
+              <a:t>“</a:t>
+            </a:r>
+            <a:r>
+              <a:rPr lang="ru-RU" sz="1800" dirty="0">
+                <a:solidFill>
+                  <a:srgbClr val="000000"/>
+                </a:solidFill>
+                <a:effectLst/>
+                <a:latin typeface="Times New Roman" panose="02020603050405020304" pitchFamily="18" charset="0"/>
+                <a:ea typeface="Calibri" panose="020F0502020204030204" pitchFamily="34" charset="0"/>
+                <a:cs typeface="Times New Roman" panose="02020603050405020304" pitchFamily="18" charset="0"/>
+              </a:rPr>
+              <a:t>группы</a:t>
+            </a:r>
+            <a:r>
+              <a:rPr lang="en-US" sz="1800" dirty="0">
+                <a:solidFill>
+                  <a:srgbClr val="000000"/>
+                </a:solidFill>
+                <a:effectLst/>
+                <a:latin typeface="Times New Roman" panose="02020603050405020304" pitchFamily="18" charset="0"/>
+                <a:ea typeface="Calibri" panose="020F0502020204030204" pitchFamily="34" charset="0"/>
+                <a:cs typeface="Times New Roman" panose="02020603050405020304" pitchFamily="18" charset="0"/>
+              </a:rPr>
+              <a:t>”</a:t>
+            </a:r>
+            <a:r>
+              <a:rPr lang="ru-RU" sz="1800" dirty="0">
+                <a:solidFill>
+                  <a:srgbClr val="000000"/>
+                </a:solidFill>
+                <a:effectLst/>
+                <a:latin typeface="Times New Roman" panose="02020603050405020304" pitchFamily="18" charset="0"/>
+                <a:ea typeface="Calibri" panose="020F0502020204030204" pitchFamily="34" charset="0"/>
+                <a:cs typeface="Times New Roman" panose="02020603050405020304" pitchFamily="18" charset="0"/>
+              </a:rPr>
+              <a:t>студентов, как числовой метрики, позволяющей наблюдать динамику и тенденции.</a:t>
+            </a:r>
+          </a:p>
+          <a:p>
+            <a:pPr marL="0" marR="0" lvl="0" indent="0" algn="l" defTabSz="914400" rtl="0" eaLnBrk="1" fontAlgn="auto" latinLnBrk="0" hangingPunct="1">
+              <a:lnSpc>
+                <a:spcPct val="100000"/>
+              </a:lnSpc>
+              <a:spcBef>
+                <a:spcPts val="0"/>
+              </a:spcBef>
+              <a:spcAft>
+                <a:spcPts val="0"/>
+              </a:spcAft>
+              <a:buClrTx/>
+              <a:buSzTx/>
+              <a:buFontTx/>
+              <a:buNone/>
+              <a:tabLst/>
+              <a:defRPr/>
+            </a:pPr>
+            <a:endParaRPr lang="ru-RU" sz="1800" dirty="0">
+              <a:solidFill>
+                <a:srgbClr val="000000"/>
+              </a:solidFill>
+              <a:effectLst/>
+              <a:latin typeface="Times New Roman" panose="02020603050405020304" pitchFamily="18" charset="0"/>
+              <a:ea typeface="Calibri" panose="020F0502020204030204" pitchFamily="34" charset="0"/>
+              <a:cs typeface="Times New Roman" panose="02020603050405020304" pitchFamily="18" charset="0"/>
+            </a:endParaRPr>
+          </a:p>
+          <a:p>
+            <a:pPr marL="0" marR="0" lvl="0" indent="0" algn="l" defTabSz="914400" rtl="0" eaLnBrk="1" fontAlgn="auto" latinLnBrk="0" hangingPunct="1">
+              <a:lnSpc>
+                <a:spcPct val="100000"/>
+              </a:lnSpc>
+              <a:spcBef>
+                <a:spcPts val="0"/>
+              </a:spcBef>
+              <a:spcAft>
+                <a:spcPts val="0"/>
+              </a:spcAft>
+              <a:buClrTx/>
+              <a:buSzTx/>
+              <a:buFontTx/>
+              <a:buNone/>
+              <a:tabLst/>
+              <a:defRPr/>
+            </a:pPr>
+            <a:r>
+              <a:rPr lang="ru-RU" sz="1800" dirty="0">
+                <a:solidFill>
+                  <a:srgbClr val="000000"/>
+                </a:solidFill>
+                <a:effectLst/>
+                <a:latin typeface="Times New Roman" panose="02020603050405020304" pitchFamily="18" charset="0"/>
+                <a:ea typeface="Calibri" panose="020F0502020204030204" pitchFamily="34" charset="0"/>
+                <a:cs typeface="Times New Roman" panose="02020603050405020304" pitchFamily="18" charset="0"/>
+              </a:rPr>
+              <a:t>Также немаловажную роль играет оценка преподавателем «Группы» студентов, т.к. такая оценка может более гибко отражать субъективное восприятие качества проведённого занятия преподавателем, что позволит вовремя провести аудит, обнаружить и разрешить проблемные ситуации. </a:t>
+            </a:r>
+          </a:p>
+          <a:p>
+            <a:pPr marL="0" marR="0" lvl="0" indent="0" algn="l" defTabSz="914400" rtl="0" eaLnBrk="1" fontAlgn="auto" latinLnBrk="0" hangingPunct="1">
+              <a:lnSpc>
+                <a:spcPct val="100000"/>
+              </a:lnSpc>
+              <a:spcBef>
+                <a:spcPts val="0"/>
+              </a:spcBef>
+              <a:spcAft>
+                <a:spcPts val="0"/>
+              </a:spcAft>
+              <a:buClrTx/>
+              <a:buSzTx/>
+              <a:buFontTx/>
+              <a:buNone/>
+              <a:tabLst/>
+              <a:defRPr/>
+            </a:pPr>
+            <a:endParaRPr lang="ru-RU" sz="1800" dirty="0">
+              <a:solidFill>
+                <a:srgbClr val="000000"/>
+              </a:solidFill>
+              <a:effectLst/>
+              <a:latin typeface="Times New Roman" panose="02020603050405020304" pitchFamily="18" charset="0"/>
+              <a:ea typeface="Calibri" panose="020F0502020204030204" pitchFamily="34" charset="0"/>
+              <a:cs typeface="Times New Roman" panose="02020603050405020304" pitchFamily="18" charset="0"/>
+            </a:endParaRPr>
+          </a:p>
+          <a:p>
+            <a:pPr marL="0" marR="0" lvl="0" indent="0" algn="l" defTabSz="914400" rtl="0" eaLnBrk="1" fontAlgn="auto" latinLnBrk="0" hangingPunct="1">
+              <a:lnSpc>
+                <a:spcPct val="100000"/>
+              </a:lnSpc>
+              <a:spcBef>
+                <a:spcPts val="0"/>
+              </a:spcBef>
+              <a:spcAft>
+                <a:spcPts val="0"/>
+              </a:spcAft>
+              <a:buClrTx/>
+              <a:buSzTx/>
+              <a:buFontTx/>
+              <a:buNone/>
+              <a:tabLst/>
+              <a:defRPr/>
+            </a:pPr>
+            <a:r>
+              <a:rPr lang="ru-RU" sz="1800" dirty="0">
+                <a:solidFill>
+                  <a:srgbClr val="000000"/>
+                </a:solidFill>
+                <a:effectLst/>
+                <a:latin typeface="Times New Roman" panose="02020603050405020304" pitchFamily="18" charset="0"/>
+                <a:ea typeface="Calibri" panose="020F0502020204030204" pitchFamily="34" charset="0"/>
+                <a:cs typeface="Times New Roman" panose="02020603050405020304" pitchFamily="18" charset="0"/>
+              </a:rPr>
+              <a:t>Под Агрегацией метрик по различным административным единицам подразумевается возможность собирать и анализировать показатели на различных уровнях. Такими уровнями могут быть Институты, кафедры, предметы, потоки, преподаватели, группы и т.д. Это позволит в динамике получать комплексную картину, основанную на числовых метриках, для возможности проведения объективного аудита.</a:t>
+            </a:r>
+          </a:p>
+          <a:p>
+            <a:pPr marL="0" marR="0" lvl="0" indent="0" algn="l" defTabSz="914400" rtl="0" eaLnBrk="1" fontAlgn="auto" latinLnBrk="0" hangingPunct="1">
+              <a:lnSpc>
+                <a:spcPct val="100000"/>
+              </a:lnSpc>
+              <a:spcBef>
+                <a:spcPts val="0"/>
+              </a:spcBef>
+              <a:spcAft>
+                <a:spcPts val="0"/>
+              </a:spcAft>
+              <a:buClrTx/>
+              <a:buSzTx/>
+              <a:buFontTx/>
+              <a:buNone/>
+              <a:tabLst/>
+              <a:defRPr/>
+            </a:pPr>
+            <a:endParaRPr lang="ru-RU" sz="1800" dirty="0">
+              <a:solidFill>
+                <a:srgbClr val="000000"/>
+              </a:solidFill>
+              <a:effectLst/>
+              <a:latin typeface="Times New Roman" panose="02020603050405020304" pitchFamily="18" charset="0"/>
+              <a:ea typeface="Calibri" panose="020F0502020204030204" pitchFamily="34" charset="0"/>
+              <a:cs typeface="Times New Roman" panose="02020603050405020304" pitchFamily="18" charset="0"/>
+            </a:endParaRPr>
+          </a:p>
+          <a:p>
+            <a:pPr marL="0" marR="0" lvl="0" indent="0" algn="l" defTabSz="914400" rtl="0" eaLnBrk="1" fontAlgn="auto" latinLnBrk="0" hangingPunct="1">
+              <a:lnSpc>
+                <a:spcPct val="100000"/>
+              </a:lnSpc>
+              <a:spcBef>
+                <a:spcPts val="0"/>
+              </a:spcBef>
+              <a:spcAft>
+                <a:spcPts val="0"/>
+              </a:spcAft>
+              <a:buClrTx/>
+              <a:buSzTx/>
+              <a:buFontTx/>
+              <a:buNone/>
+              <a:tabLst/>
+              <a:defRPr/>
+            </a:pPr>
+            <a:endParaRPr lang="ru-RU" sz="1800" dirty="0">
+              <a:effectLst/>
+              <a:latin typeface="Calibri" panose="020F0502020204030204" pitchFamily="34" charset="0"/>
+              <a:ea typeface="Calibri" panose="020F0502020204030204" pitchFamily="34" charset="0"/>
+              <a:cs typeface="Times New Roman" panose="02020603050405020304" pitchFamily="18" charset="0"/>
+            </a:endParaRPr>
+          </a:p>
+          <a:p>
+            <a:endParaRPr lang="ru-RU" dirty="0"/>
+          </a:p>
+        </p:txBody>
+      </p:sp>
+      <p:sp>
+        <p:nvSpPr>
+          <p:cNvPr id="4" name="Номер слайда 3"/>
+          <p:cNvSpPr>
+            <a:spLocks noGrp="1"/>
+          </p:cNvSpPr>
+          <p:nvPr>
+            <p:ph type="sldNum" sz="quarter" idx="5"/>
+          </p:nvPr>
+        </p:nvSpPr>
+        <p:spPr/>
+        <p:txBody>
+          <a:bodyPr/>
+          <a:lstStyle/>
+          <a:p>
+            <a:fld id="{DFBC7FCB-A49B-4D65-AABF-F134B0745EA1}" type="slidenum">
+              <a:rPr lang="ru-RU" smtClean="0"/>
+              <a:t>4</a:t>
+            </a:fld>
+            <a:endParaRPr lang="ru-RU"/>
+          </a:p>
+        </p:txBody>
+      </p:sp>
+    </p:spTree>
+    <p:extLst>
+      <p:ext uri="{BB962C8B-B14F-4D97-AF65-F5344CB8AC3E}">
+        <p14:creationId xmlns:p14="http://schemas.microsoft.com/office/powerpoint/2010/main" val="2699195344"/>
+      </p:ext>
+    </p:extLst>
+  </p:cSld>
+  <p:clrMapOvr>
+    <a:masterClrMapping/>
+  </p:clrMapOvr>
+</p:notes>
+</file>
+
 <file path=ppt/slideLayouts/slideLayout1.xml><?xml version="1.0" encoding="utf-8"?>
 <p:sldLayout xmlns:a="http://schemas.openxmlformats.org/drawingml/2006/main" xmlns:r="http://schemas.openxmlformats.org/officeDocument/2006/relationships" xmlns:p="http://schemas.openxmlformats.org/presentationml/2006/main" type="title" preserve="1">
   <p:cSld name="Title Slide">
@@ -266,7 +1306,7 @@
           <a:p>
             <a:fld id="{6EF457CD-DDB7-4973-8C17-F59560FC3DB5}" type="datetimeFigureOut">
               <a:rPr lang="ru-RU" smtClean="0"/>
-              <a:t>16.04.2025</a:t>
+              <a:t>17.04.2025</a:t>
             </a:fld>
             <a:endParaRPr lang="ru-RU"/>
           </a:p>
@@ -466,7 +1506,7 @@
           <a:p>
             <a:fld id="{6EF457CD-DDB7-4973-8C17-F59560FC3DB5}" type="datetimeFigureOut">
               <a:rPr lang="ru-RU" smtClean="0"/>
-              <a:t>16.04.2025</a:t>
+              <a:t>17.04.2025</a:t>
             </a:fld>
             <a:endParaRPr lang="ru-RU"/>
           </a:p>
@@ -676,7 +1716,7 @@
           <a:p>
             <a:fld id="{6EF457CD-DDB7-4973-8C17-F59560FC3DB5}" type="datetimeFigureOut">
               <a:rPr lang="ru-RU" smtClean="0"/>
-              <a:t>16.04.2025</a:t>
+              <a:t>17.04.2025</a:t>
             </a:fld>
             <a:endParaRPr lang="ru-RU"/>
           </a:p>
@@ -876,7 +1916,7 @@
           <a:p>
             <a:fld id="{6EF457CD-DDB7-4973-8C17-F59560FC3DB5}" type="datetimeFigureOut">
               <a:rPr lang="ru-RU" smtClean="0"/>
-              <a:t>16.04.2025</a:t>
+              <a:t>17.04.2025</a:t>
             </a:fld>
             <a:endParaRPr lang="ru-RU"/>
           </a:p>
@@ -1152,7 +2192,7 @@
           <a:p>
             <a:fld id="{6EF457CD-DDB7-4973-8C17-F59560FC3DB5}" type="datetimeFigureOut">
               <a:rPr lang="ru-RU" smtClean="0"/>
-              <a:t>16.04.2025</a:t>
+              <a:t>17.04.2025</a:t>
             </a:fld>
             <a:endParaRPr lang="ru-RU"/>
           </a:p>
@@ -1420,7 +2460,7 @@
           <a:p>
             <a:fld id="{6EF457CD-DDB7-4973-8C17-F59560FC3DB5}" type="datetimeFigureOut">
               <a:rPr lang="ru-RU" smtClean="0"/>
-              <a:t>16.04.2025</a:t>
+              <a:t>17.04.2025</a:t>
             </a:fld>
             <a:endParaRPr lang="ru-RU"/>
           </a:p>
@@ -1835,7 +2875,7 @@
           <a:p>
             <a:fld id="{6EF457CD-DDB7-4973-8C17-F59560FC3DB5}" type="datetimeFigureOut">
               <a:rPr lang="ru-RU" smtClean="0"/>
-              <a:t>16.04.2025</a:t>
+              <a:t>17.04.2025</a:t>
             </a:fld>
             <a:endParaRPr lang="ru-RU"/>
           </a:p>
@@ -1977,7 +3017,7 @@
           <a:p>
             <a:fld id="{6EF457CD-DDB7-4973-8C17-F59560FC3DB5}" type="datetimeFigureOut">
               <a:rPr lang="ru-RU" smtClean="0"/>
-              <a:t>16.04.2025</a:t>
+              <a:t>17.04.2025</a:t>
             </a:fld>
             <a:endParaRPr lang="ru-RU"/>
           </a:p>
@@ -2090,7 +3130,7 @@
           <a:p>
             <a:fld id="{6EF457CD-DDB7-4973-8C17-F59560FC3DB5}" type="datetimeFigureOut">
               <a:rPr lang="ru-RU" smtClean="0"/>
-              <a:t>16.04.2025</a:t>
+              <a:t>17.04.2025</a:t>
             </a:fld>
             <a:endParaRPr lang="ru-RU"/>
           </a:p>
@@ -2403,7 +3443,7 @@
           <a:p>
             <a:fld id="{6EF457CD-DDB7-4973-8C17-F59560FC3DB5}" type="datetimeFigureOut">
               <a:rPr lang="ru-RU" smtClean="0"/>
-              <a:t>16.04.2025</a:t>
+              <a:t>17.04.2025</a:t>
             </a:fld>
             <a:endParaRPr lang="ru-RU"/>
           </a:p>
@@ -2692,7 +3732,7 @@
           <a:p>
             <a:fld id="{6EF457CD-DDB7-4973-8C17-F59560FC3DB5}" type="datetimeFigureOut">
               <a:rPr lang="ru-RU" smtClean="0"/>
-              <a:t>16.04.2025</a:t>
+              <a:t>17.04.2025</a:t>
             </a:fld>
             <a:endParaRPr lang="ru-RU"/>
           </a:p>
@@ -2935,7 +3975,7 @@
           <a:p>
             <a:fld id="{6EF457CD-DDB7-4973-8C17-F59560FC3DB5}" type="datetimeFigureOut">
               <a:rPr lang="ru-RU" smtClean="0"/>
-              <a:t>16.04.2025</a:t>
+              <a:t>17.04.2025</a:t>
             </a:fld>
             <a:endParaRPr lang="ru-RU"/>
           </a:p>
@@ -3471,7 +4511,7 @@
           <p:nvPr/>
         </p:nvPicPr>
         <p:blipFill>
-          <a:blip r:embed="rId2">
+          <a:blip r:embed="rId3">
             <a:extLst>
               <a:ext uri="{28A0092B-C50C-407E-A947-70E740481C1C}">
                 <a14:useLocalDpi xmlns:a14="http://schemas.microsoft.com/office/drawing/2010/main" val="0"/>
@@ -3507,7 +4547,7 @@
           <p:nvPr/>
         </p:nvPicPr>
         <p:blipFill>
-          <a:blip r:embed="rId3">
+          <a:blip r:embed="rId4">
             <a:extLst>
               <a:ext uri="{28A0092B-C50C-407E-A947-70E740481C1C}">
                 <a14:useLocalDpi xmlns:a14="http://schemas.microsoft.com/office/drawing/2010/main" val="0"/>
@@ -3851,10 +4891,10 @@
           <p:nvPr/>
         </p:nvPicPr>
         <p:blipFill>
-          <a:blip r:embed="rId4">
+          <a:blip r:embed="rId5">
             <a:extLst>
               <a:ext uri="{96DAC541-7B7A-43D3-8B79-37D633B846F1}">
-                <asvg:svgBlip xmlns:asvg="http://schemas.microsoft.com/office/drawing/2016/SVG/main" r:embed="rId5"/>
+                <asvg:svgBlip xmlns:asvg="http://schemas.microsoft.com/office/drawing/2016/SVG/main" r:embed="rId6"/>
               </a:ext>
             </a:extLst>
           </a:blip>
@@ -4323,7 +5363,7 @@
           <p:nvPr/>
         </p:nvPicPr>
         <p:blipFill>
-          <a:blip r:embed="rId2">
+          <a:blip r:embed="rId3">
             <a:extLst>
               <a:ext uri="{28A0092B-C50C-407E-A947-70E740481C1C}">
                 <a14:useLocalDpi xmlns:a14="http://schemas.microsoft.com/office/drawing/2010/main" val="0"/>
@@ -4359,7 +5399,7 @@
           <p:nvPr/>
         </p:nvPicPr>
         <p:blipFill>
-          <a:blip r:embed="rId3">
+          <a:blip r:embed="rId4">
             <a:extLst>
               <a:ext uri="{28A0092B-C50C-407E-A947-70E740481C1C}">
                 <a14:useLocalDpi xmlns:a14="http://schemas.microsoft.com/office/drawing/2010/main" val="0"/>
@@ -4499,10 +5539,10 @@
           <p:nvPr/>
         </p:nvPicPr>
         <p:blipFill>
-          <a:blip r:embed="rId4">
+          <a:blip r:embed="rId5">
             <a:extLst>
               <a:ext uri="{96DAC541-7B7A-43D3-8B79-37D633B846F1}">
-                <asvg:svgBlip xmlns:asvg="http://schemas.microsoft.com/office/drawing/2016/SVG/main" r:embed="rId5"/>
+                <asvg:svgBlip xmlns:asvg="http://schemas.microsoft.com/office/drawing/2016/SVG/main" r:embed="rId6"/>
               </a:ext>
             </a:extLst>
           </a:blip>
@@ -4625,7 +5665,7 @@
           <p:nvPr/>
         </p:nvPicPr>
         <p:blipFill>
-          <a:blip r:embed="rId2">
+          <a:blip r:embed="rId3">
             <a:extLst>
               <a:ext uri="{28A0092B-C50C-407E-A947-70E740481C1C}">
                 <a14:useLocalDpi xmlns:a14="http://schemas.microsoft.com/office/drawing/2010/main" val="0"/>
@@ -4661,7 +5701,7 @@
           <p:nvPr/>
         </p:nvPicPr>
         <p:blipFill>
-          <a:blip r:embed="rId3">
+          <a:blip r:embed="rId4">
             <a:extLst>
               <a:ext uri="{28A0092B-C50C-407E-A947-70E740481C1C}">
                 <a14:useLocalDpi xmlns:a14="http://schemas.microsoft.com/office/drawing/2010/main" val="0"/>
@@ -4739,14 +5779,14 @@
           <p:nvPr>
             <p:extLst>
               <p:ext uri="{D42A27DB-BD31-4B8C-83A1-F6EECF244321}">
-                <p14:modId xmlns:p14="http://schemas.microsoft.com/office/powerpoint/2010/main" val="2095520274"/>
+                <p14:modId xmlns:p14="http://schemas.microsoft.com/office/powerpoint/2010/main" val="3177752697"/>
               </p:ext>
             </p:extLst>
           </p:nvPr>
         </p:nvGraphicFramePr>
         <p:xfrm>
           <a:off x="3067367" y="2973292"/>
-          <a:ext cx="7496872" cy="2970308"/>
+          <a:ext cx="6356505" cy="2970308"/>
         </p:xfrm>
         <a:graphic>
           <a:graphicData uri="http://schemas.openxmlformats.org/drawingml/2006/table">
@@ -4773,13 +5813,6 @@
                   <a:extLst>
                     <a:ext uri="{9D8B030D-6E8A-4147-A177-3AD203B41FA5}">
                       <a16:colId xmlns:a16="http://schemas.microsoft.com/office/drawing/2014/main" val="3852032583"/>
-                    </a:ext>
-                  </a:extLst>
-                </a:gridCol>
-                <a:gridCol w="1140367">
-                  <a:extLst>
-                    <a:ext uri="{9D8B030D-6E8A-4147-A177-3AD203B41FA5}">
-                      <a16:colId xmlns:a16="http://schemas.microsoft.com/office/drawing/2014/main" val="1684830234"/>
                     </a:ext>
                   </a:extLst>
                 </a:gridCol>
@@ -4919,46 +5952,14 @@
                         <a:buNone/>
                       </a:pPr>
                       <a:r>
-                        <a:rPr lang="ru-RU" sz="1400">
-                          <a:effectLst/>
-                          <a:latin typeface="Times New Roman" panose="02020603050405020304" pitchFamily="18" charset="0"/>
-                          <a:cs typeface="Times New Roman" panose="02020603050405020304" pitchFamily="18" charset="0"/>
-                        </a:rPr>
-                        <a:t>Форма для создания тестовых заданий</a:t>
-                      </a:r>
-                      <a:endParaRPr lang="ru-RU" sz="1400">
-                        <a:effectLst/>
-                        <a:latin typeface="Times New Roman" panose="02020603050405020304" pitchFamily="18" charset="0"/>
-                        <a:ea typeface="Calibri" panose="020F0502020204030204" pitchFamily="34" charset="0"/>
-                        <a:cs typeface="Times New Roman" panose="02020603050405020304" pitchFamily="18" charset="0"/>
-                      </a:endParaRPr>
-                    </a:p>
-                  </a:txBody>
-                  <a:tcPr marL="68580" marR="68580" marT="0" marB="0"/>
-                </a:tc>
-                <a:tc>
-                  <a:txBody>
-                    <a:bodyPr/>
-                    <a:lstStyle/>
-                    <a:p>
-                      <a:pPr>
-                        <a:lnSpc>
-                          <a:spcPct val="115000"/>
-                        </a:lnSpc>
-                        <a:spcAft>
-                          <a:spcPts val="1000"/>
-                        </a:spcAft>
-                        <a:buNone/>
-                      </a:pPr>
-                      <a:r>
-                        <a:rPr lang="ru-RU" sz="1400">
+                        <a:rPr lang="ru-RU" sz="1400" dirty="0">
                           <a:effectLst/>
                           <a:latin typeface="Times New Roman" panose="02020603050405020304" pitchFamily="18" charset="0"/>
                           <a:cs typeface="Times New Roman" panose="02020603050405020304" pitchFamily="18" charset="0"/>
                         </a:rPr>
                         <a:t>Агрегация метрик по различным административным единицам</a:t>
                       </a:r>
-                      <a:endParaRPr lang="ru-RU" sz="1400">
+                      <a:endParaRPr lang="ru-RU" sz="1400" dirty="0">
                         <a:effectLst/>
                         <a:latin typeface="Times New Roman" panose="02020603050405020304" pitchFamily="18" charset="0"/>
                         <a:ea typeface="Calibri" panose="020F0502020204030204" pitchFamily="34" charset="0"/>
@@ -5060,38 +6061,6 @@
                           <a:cs typeface="Times New Roman" panose="02020603050405020304" pitchFamily="18" charset="0"/>
                         </a:rPr>
                         <a:t>-</a:t>
-                      </a:r>
-                      <a:endParaRPr lang="ru-RU" sz="1400">
-                        <a:effectLst/>
-                        <a:latin typeface="Times New Roman" panose="02020603050405020304" pitchFamily="18" charset="0"/>
-                        <a:ea typeface="Calibri" panose="020F0502020204030204" pitchFamily="34" charset="0"/>
-                        <a:cs typeface="Times New Roman" panose="02020603050405020304" pitchFamily="18" charset="0"/>
-                      </a:endParaRPr>
-                    </a:p>
-                  </a:txBody>
-                  <a:tcPr marL="68580" marR="68580" marT="0" marB="0"/>
-                </a:tc>
-                <a:tc>
-                  <a:txBody>
-                    <a:bodyPr/>
-                    <a:lstStyle/>
-                    <a:p>
-                      <a:pPr>
-                        <a:lnSpc>
-                          <a:spcPct val="115000"/>
-                        </a:lnSpc>
-                        <a:spcAft>
-                          <a:spcPts val="1000"/>
-                        </a:spcAft>
-                        <a:buNone/>
-                      </a:pPr>
-                      <a:r>
-                        <a:rPr lang="en-US" sz="1400">
-                          <a:effectLst/>
-                          <a:latin typeface="Times New Roman" panose="02020603050405020304" pitchFamily="18" charset="0"/>
-                          <a:cs typeface="Times New Roman" panose="02020603050405020304" pitchFamily="18" charset="0"/>
-                        </a:rPr>
-                        <a:t>+</a:t>
                       </a:r>
                       <a:endParaRPr lang="ru-RU" sz="1400">
                         <a:effectLst/>
@@ -5282,38 +6251,6 @@
                           <a:latin typeface="Times New Roman" panose="02020603050405020304" pitchFamily="18" charset="0"/>
                           <a:cs typeface="Times New Roman" panose="02020603050405020304" pitchFamily="18" charset="0"/>
                         </a:rPr>
-                        <a:t>+</a:t>
-                      </a:r>
-                      <a:endParaRPr lang="ru-RU" sz="1400">
-                        <a:effectLst/>
-                        <a:latin typeface="Times New Roman" panose="02020603050405020304" pitchFamily="18" charset="0"/>
-                        <a:ea typeface="Calibri" panose="020F0502020204030204" pitchFamily="34" charset="0"/>
-                        <a:cs typeface="Times New Roman" panose="02020603050405020304" pitchFamily="18" charset="0"/>
-                      </a:endParaRPr>
-                    </a:p>
-                  </a:txBody>
-                  <a:tcPr marL="68580" marR="68580" marT="0" marB="0"/>
-                </a:tc>
-                <a:tc>
-                  <a:txBody>
-                    <a:bodyPr/>
-                    <a:lstStyle/>
-                    <a:p>
-                      <a:pPr>
-                        <a:lnSpc>
-                          <a:spcPct val="115000"/>
-                        </a:lnSpc>
-                        <a:spcAft>
-                          <a:spcPts val="1000"/>
-                        </a:spcAft>
-                        <a:buNone/>
-                      </a:pPr>
-                      <a:r>
-                        <a:rPr lang="en-US" sz="1400">
-                          <a:effectLst/>
-                          <a:latin typeface="Times New Roman" panose="02020603050405020304" pitchFamily="18" charset="0"/>
-                          <a:cs typeface="Times New Roman" panose="02020603050405020304" pitchFamily="18" charset="0"/>
-                        </a:rPr>
                         <a:t>-</a:t>
                       </a:r>
                       <a:endParaRPr lang="ru-RU" sz="1400">
@@ -5444,38 +6381,6 @@
                         <a:buNone/>
                       </a:pPr>
                       <a:r>
-                        <a:rPr lang="ru-RU" sz="1400">
-                          <a:effectLst/>
-                          <a:latin typeface="Times New Roman" panose="02020603050405020304" pitchFamily="18" charset="0"/>
-                          <a:cs typeface="Times New Roman" panose="02020603050405020304" pitchFamily="18" charset="0"/>
-                        </a:rPr>
-                        <a:t>+</a:t>
-                      </a:r>
-                      <a:endParaRPr lang="ru-RU" sz="1400">
-                        <a:effectLst/>
-                        <a:latin typeface="Times New Roman" panose="02020603050405020304" pitchFamily="18" charset="0"/>
-                        <a:ea typeface="Calibri" panose="020F0502020204030204" pitchFamily="34" charset="0"/>
-                        <a:cs typeface="Times New Roman" panose="02020603050405020304" pitchFamily="18" charset="0"/>
-                      </a:endParaRPr>
-                    </a:p>
-                  </a:txBody>
-                  <a:tcPr marL="68580" marR="68580" marT="0" marB="0"/>
-                </a:tc>
-                <a:tc>
-                  <a:txBody>
-                    <a:bodyPr/>
-                    <a:lstStyle/>
-                    <a:p>
-                      <a:pPr>
-                        <a:lnSpc>
-                          <a:spcPct val="115000"/>
-                        </a:lnSpc>
-                        <a:spcAft>
-                          <a:spcPts val="1000"/>
-                        </a:spcAft>
-                        <a:buNone/>
-                      </a:pPr>
-                      <a:r>
                         <a:rPr lang="en-US" sz="1400" dirty="0">
                           <a:effectLst/>
                           <a:latin typeface="Times New Roman" panose="02020603050405020304" pitchFamily="18" charset="0"/>
@@ -5518,10 +6423,10 @@
           <p:nvPr/>
         </p:nvPicPr>
         <p:blipFill>
-          <a:blip r:embed="rId4">
+          <a:blip r:embed="rId5">
             <a:extLst>
               <a:ext uri="{96DAC541-7B7A-43D3-8B79-37D633B846F1}">
-                <asvg:svgBlip xmlns:asvg="http://schemas.microsoft.com/office/drawing/2016/SVG/main" r:embed="rId5"/>
+                <asvg:svgBlip xmlns:asvg="http://schemas.microsoft.com/office/drawing/2016/SVG/main" r:embed="rId6"/>
               </a:ext>
             </a:extLst>
           </a:blip>
@@ -6518,4 +7423,319 @@
     </a:ext>
   </a:extLst>
 </a:theme>
+</file>
+
+<file path=ppt/theme/theme2.xml><?xml version="1.0" encoding="utf-8"?>
+<a:theme xmlns:a="http://schemas.openxmlformats.org/drawingml/2006/main" name="Тема Office">
+  <a:themeElements>
+    <a:clrScheme name="Стандартная">
+      <a:dk1>
+        <a:sysClr val="windowText" lastClr="000000"/>
+      </a:dk1>
+      <a:lt1>
+        <a:sysClr val="window" lastClr="FFFFFF"/>
+      </a:lt1>
+      <a:dk2>
+        <a:srgbClr val="0E2841"/>
+      </a:dk2>
+      <a:lt2>
+        <a:srgbClr val="E8E8E8"/>
+      </a:lt2>
+      <a:accent1>
+        <a:srgbClr val="156082"/>
+      </a:accent1>
+      <a:accent2>
+        <a:srgbClr val="E97132"/>
+      </a:accent2>
+      <a:accent3>
+        <a:srgbClr val="196B24"/>
+      </a:accent3>
+      <a:accent4>
+        <a:srgbClr val="0F9ED5"/>
+      </a:accent4>
+      <a:accent5>
+        <a:srgbClr val="A02B93"/>
+      </a:accent5>
+      <a:accent6>
+        <a:srgbClr val="4EA72E"/>
+      </a:accent6>
+      <a:hlink>
+        <a:srgbClr val="467886"/>
+      </a:hlink>
+      <a:folHlink>
+        <a:srgbClr val="96607D"/>
+      </a:folHlink>
+    </a:clrScheme>
+    <a:fontScheme name="Стандартная">
+      <a:majorFont>
+        <a:latin typeface="Aptos Display" panose="02110004020202020204"/>
+        <a:ea typeface=""/>
+        <a:cs typeface=""/>
+        <a:font script="Jpan" typeface="游ゴシック Light"/>
+        <a:font script="Hang" typeface="맑은 고딕"/>
+        <a:font script="Hans" typeface="等线 Light"/>
+        <a:font script="Hant" typeface="新細明體"/>
+        <a:font script="Arab" typeface="Times New Roman"/>
+        <a:font script="Hebr" typeface="Times New Roman"/>
+        <a:font script="Thai" typeface="Angsana New"/>
+        <a:font script="Ethi" typeface="Nyala"/>
+        <a:font script="Beng" typeface="Vrinda"/>
+        <a:font script="Gujr" typeface="Shruti"/>
+        <a:font script="Khmr" typeface="MoolBoran"/>
+        <a:font script="Knda" typeface="Tunga"/>
+        <a:font script="Guru" typeface="Raavi"/>
+        <a:font script="Cans" typeface="Euphemia"/>
+        <a:font script="Cher" typeface="Plantagenet Cherokee"/>
+        <a:font script="Yiii" typeface="Microsoft Yi Baiti"/>
+        <a:font script="Tibt" typeface="Microsoft Himalaya"/>
+        <a:font script="Thaa" typeface="MV Boli"/>
+        <a:font script="Deva" typeface="Mangal"/>
+        <a:font script="Telu" typeface="Gautami"/>
+        <a:font script="Taml" typeface="Latha"/>
+        <a:font script="Syrc" typeface="Estrangelo Edessa"/>
+        <a:font script="Orya" typeface="Kalinga"/>
+        <a:font script="Mlym" typeface="Kartika"/>
+        <a:font script="Laoo" typeface="DokChampa"/>
+        <a:font script="Sinh" typeface="Iskoola Pota"/>
+        <a:font script="Mong" typeface="Mongolian Baiti"/>
+        <a:font script="Viet" typeface="Times New Roman"/>
+        <a:font script="Uigh" typeface="Microsoft Uighur"/>
+        <a:font script="Geor" typeface="Sylfaen"/>
+        <a:font script="Armn" typeface="Arial"/>
+        <a:font script="Bugi" typeface="Leelawadee UI"/>
+        <a:font script="Bopo" typeface="Microsoft JhengHei"/>
+        <a:font script="Java" typeface="Javanese Text"/>
+        <a:font script="Lisu" typeface="Segoe UI"/>
+        <a:font script="Mymr" typeface="Myanmar Text"/>
+        <a:font script="Nkoo" typeface="Ebrima"/>
+        <a:font script="Olck" typeface="Nirmala UI"/>
+        <a:font script="Osma" typeface="Ebrima"/>
+        <a:font script="Phag" typeface="Phagspa"/>
+        <a:font script="Syrn" typeface="Estrangelo Edessa"/>
+        <a:font script="Syrj" typeface="Estrangelo Edessa"/>
+        <a:font script="Syre" typeface="Estrangelo Edessa"/>
+        <a:font script="Sora" typeface="Nirmala UI"/>
+        <a:font script="Tale" typeface="Microsoft Tai Le"/>
+        <a:font script="Talu" typeface="Microsoft New Tai Lue"/>
+        <a:font script="Tfng" typeface="Ebrima"/>
+      </a:majorFont>
+      <a:minorFont>
+        <a:latin typeface="Aptos" panose="02110004020202020204"/>
+        <a:ea typeface=""/>
+        <a:cs typeface=""/>
+        <a:font script="Jpan" typeface="游ゴシック"/>
+        <a:font script="Hang" typeface="맑은 고딕"/>
+        <a:font script="Hans" typeface="等线"/>
+        <a:font script="Hant" typeface="新細明體"/>
+        <a:font script="Arab" typeface="Arial"/>
+        <a:font script="Hebr" typeface="Arial"/>
+        <a:font script="Thai" typeface="Cordia New"/>
+        <a:font script="Ethi" typeface="Nyala"/>
+        <a:font script="Beng" typeface="Vrinda"/>
+        <a:font script="Gujr" typeface="Shruti"/>
+        <a:font script="Khmr" typeface="DaunPenh"/>
+        <a:font script="Knda" typeface="Tunga"/>
+        <a:font script="Guru" typeface="Raavi"/>
+        <a:font script="Cans" typeface="Euphemia"/>
+        <a:font script="Cher" typeface="Plantagenet Cherokee"/>
+        <a:font script="Yiii" typeface="Microsoft Yi Baiti"/>
+        <a:font script="Tibt" typeface="Microsoft Himalaya"/>
+        <a:font script="Thaa" typeface="MV Boli"/>
+        <a:font script="Deva" typeface="Mangal"/>
+        <a:font script="Telu" typeface="Gautami"/>
+        <a:font script="Taml" typeface="Latha"/>
+        <a:font script="Syrc" typeface="Estrangelo Edessa"/>
+        <a:font script="Orya" typeface="Kalinga"/>
+        <a:font script="Mlym" typeface="Kartika"/>
+        <a:font script="Laoo" typeface="DokChampa"/>
+        <a:font script="Sinh" typeface="Iskoola Pota"/>
+        <a:font script="Mong" typeface="Mongolian Baiti"/>
+        <a:font script="Viet" typeface="Arial"/>
+        <a:font script="Uigh" typeface="Microsoft Uighur"/>
+        <a:font script="Geor" typeface="Sylfaen"/>
+        <a:font script="Armn" typeface="Arial"/>
+        <a:font script="Bugi" typeface="Leelawadee UI"/>
+        <a:font script="Bopo" typeface="Microsoft JhengHei"/>
+        <a:font script="Java" typeface="Javanese Text"/>
+        <a:font script="Lisu" typeface="Segoe UI"/>
+        <a:font script="Mymr" typeface="Myanmar Text"/>
+        <a:font script="Nkoo" typeface="Ebrima"/>
+        <a:font script="Olck" typeface="Nirmala UI"/>
+        <a:font script="Osma" typeface="Ebrima"/>
+        <a:font script="Phag" typeface="Phagspa"/>
+        <a:font script="Syrn" typeface="Estrangelo Edessa"/>
+        <a:font script="Syrj" typeface="Estrangelo Edessa"/>
+        <a:font script="Syre" typeface="Estrangelo Edessa"/>
+        <a:font script="Sora" typeface="Nirmala UI"/>
+        <a:font script="Tale" typeface="Microsoft Tai Le"/>
+        <a:font script="Talu" typeface="Microsoft New Tai Lue"/>
+        <a:font script="Tfng" typeface="Ebrima"/>
+      </a:minorFont>
+    </a:fontScheme>
+    <a:fmtScheme name="Стандартная">
+      <a:fillStyleLst>
+        <a:solidFill>
+          <a:schemeClr val="phClr"/>
+        </a:solidFill>
+        <a:gradFill rotWithShape="1">
+          <a:gsLst>
+            <a:gs pos="0">
+              <a:schemeClr val="phClr">
+                <a:lumMod val="110000"/>
+                <a:satMod val="105000"/>
+                <a:tint val="67000"/>
+              </a:schemeClr>
+            </a:gs>
+            <a:gs pos="50000">
+              <a:schemeClr val="phClr">
+                <a:lumMod val="105000"/>
+                <a:satMod val="103000"/>
+                <a:tint val="73000"/>
+              </a:schemeClr>
+            </a:gs>
+            <a:gs pos="100000">
+              <a:schemeClr val="phClr">
+                <a:lumMod val="105000"/>
+                <a:satMod val="109000"/>
+                <a:tint val="81000"/>
+              </a:schemeClr>
+            </a:gs>
+          </a:gsLst>
+          <a:lin ang="5400000" scaled="0"/>
+        </a:gradFill>
+        <a:gradFill rotWithShape="1">
+          <a:gsLst>
+            <a:gs pos="0">
+              <a:schemeClr val="phClr">
+                <a:satMod val="103000"/>
+                <a:lumMod val="102000"/>
+                <a:tint val="94000"/>
+              </a:schemeClr>
+            </a:gs>
+            <a:gs pos="50000">
+              <a:schemeClr val="phClr">
+                <a:satMod val="110000"/>
+                <a:lumMod val="100000"/>
+                <a:shade val="100000"/>
+              </a:schemeClr>
+            </a:gs>
+            <a:gs pos="100000">
+              <a:schemeClr val="phClr">
+                <a:lumMod val="99000"/>
+                <a:satMod val="120000"/>
+                <a:shade val="78000"/>
+              </a:schemeClr>
+            </a:gs>
+          </a:gsLst>
+          <a:lin ang="5400000" scaled="0"/>
+        </a:gradFill>
+      </a:fillStyleLst>
+      <a:lnStyleLst>
+        <a:ln w="12700" cap="flat" cmpd="sng" algn="ctr">
+          <a:solidFill>
+            <a:schemeClr val="phClr"/>
+          </a:solidFill>
+          <a:prstDash val="solid"/>
+          <a:miter lim="800000"/>
+        </a:ln>
+        <a:ln w="19050" cap="flat" cmpd="sng" algn="ctr">
+          <a:solidFill>
+            <a:schemeClr val="phClr"/>
+          </a:solidFill>
+          <a:prstDash val="solid"/>
+          <a:miter lim="800000"/>
+        </a:ln>
+        <a:ln w="25400" cap="flat" cmpd="sng" algn="ctr">
+          <a:solidFill>
+            <a:schemeClr val="phClr"/>
+          </a:solidFill>
+          <a:prstDash val="solid"/>
+          <a:miter lim="800000"/>
+        </a:ln>
+      </a:lnStyleLst>
+      <a:effectStyleLst>
+        <a:effectStyle>
+          <a:effectLst/>
+        </a:effectStyle>
+        <a:effectStyle>
+          <a:effectLst/>
+        </a:effectStyle>
+        <a:effectStyle>
+          <a:effectLst>
+            <a:outerShdw blurRad="57150" dist="19050" dir="5400000" algn="ctr" rotWithShape="0">
+              <a:srgbClr val="000000">
+                <a:alpha val="63000"/>
+              </a:srgbClr>
+            </a:outerShdw>
+          </a:effectLst>
+        </a:effectStyle>
+      </a:effectStyleLst>
+      <a:bgFillStyleLst>
+        <a:solidFill>
+          <a:schemeClr val="phClr"/>
+        </a:solidFill>
+        <a:solidFill>
+          <a:schemeClr val="phClr">
+            <a:tint val="95000"/>
+            <a:satMod val="170000"/>
+          </a:schemeClr>
+        </a:solidFill>
+        <a:gradFill rotWithShape="1">
+          <a:gsLst>
+            <a:gs pos="0">
+              <a:schemeClr val="phClr">
+                <a:tint val="93000"/>
+                <a:satMod val="150000"/>
+                <a:shade val="98000"/>
+                <a:lumMod val="102000"/>
+              </a:schemeClr>
+            </a:gs>
+            <a:gs pos="50000">
+              <a:schemeClr val="phClr">
+                <a:tint val="98000"/>
+                <a:satMod val="130000"/>
+                <a:shade val="90000"/>
+                <a:lumMod val="103000"/>
+              </a:schemeClr>
+            </a:gs>
+            <a:gs pos="100000">
+              <a:schemeClr val="phClr">
+                <a:shade val="63000"/>
+                <a:satMod val="120000"/>
+              </a:schemeClr>
+            </a:gs>
+          </a:gsLst>
+          <a:lin ang="5400000" scaled="0"/>
+        </a:gradFill>
+      </a:bgFillStyleLst>
+    </a:fmtScheme>
+  </a:themeElements>
+  <a:objectDefaults>
+    <a:lnDef>
+      <a:spPr/>
+      <a:bodyPr/>
+      <a:lstStyle/>
+      <a:style>
+        <a:lnRef idx="2">
+          <a:schemeClr val="accent1"/>
+        </a:lnRef>
+        <a:fillRef idx="0">
+          <a:schemeClr val="accent1"/>
+        </a:fillRef>
+        <a:effectRef idx="1">
+          <a:schemeClr val="accent1"/>
+        </a:effectRef>
+        <a:fontRef idx="minor">
+          <a:schemeClr val="tx1"/>
+        </a:fontRef>
+      </a:style>
+    </a:lnDef>
+  </a:objectDefaults>
+  <a:extraClrSchemeLst/>
+  <a:extLst>
+    <a:ext uri="{05A4C25C-085E-4340-85A3-A5531E510DB2}">
+      <thm15:themeFamily xmlns:thm15="http://schemas.microsoft.com/office/thememl/2012/main" name="Office Theme" id="{2E142A2C-CD16-42D6-873A-C26D2A0506FA}" vid="{1BDDFF52-6CD6-40A5-AB3C-68EB2F1E4D0A}"/>
+    </a:ext>
+  </a:extLst>
+</a:theme>
 </file>
--- a/Романов И.О. АИТ Презентация.pptx
+++ b/Романов И.О. АИТ Презентация.pptx
@@ -612,64 +612,50 @@
           <a:bodyPr/>
           <a:lstStyle/>
           <a:p>
-            <a:pPr indent="450215" algn="just">
-              <a:lnSpc>
-                <a:spcPct val="115000"/>
-              </a:lnSpc>
-              <a:spcAft>
-                <a:spcPts val="1000"/>
-              </a:spcAft>
-              <a:buNone/>
+            <a:r>
+              <a:rPr lang="ru-RU" dirty="0"/>
+              <a:t>Цели и задачи исследования</a:t>
+            </a:r>
+          </a:p>
+          <a:p>
+            <a:endParaRPr lang="ru-RU" dirty="0"/>
+          </a:p>
+          <a:p>
+            <a:r>
+              <a:rPr lang="ru-RU" dirty="0"/>
+              <a:t>Целью исследования является проведения анализа существующих решений оценки качества проведённых занятий в образовании для формирования требований к разрабатываемой системе.</a:t>
+            </a:r>
+          </a:p>
+          <a:p>
+            <a:endParaRPr lang="ru-RU" dirty="0"/>
+          </a:p>
+          <a:p>
+            <a:r>
+              <a:rPr lang="ru-RU" dirty="0"/>
+              <a:t>Среди задач автор выделил</a:t>
+            </a:r>
+            <a:r>
+              <a:rPr lang="en-US" dirty="0"/>
+              <a:t>:</a:t>
+            </a:r>
+          </a:p>
+          <a:p>
+            <a:pPr marL="228600" indent="-228600">
+              <a:buAutoNum type="arabicPeriod"/>
             </a:pPr>
             <a:r>
-              <a:rPr lang="ru-RU" sz="1800" dirty="0">
-                <a:solidFill>
-                  <a:srgbClr val="000000"/>
-                </a:solidFill>
-                <a:effectLst/>
-                <a:latin typeface="Times New Roman" panose="02020603050405020304" pitchFamily="18" charset="0"/>
-                <a:ea typeface="Calibri" panose="020F0502020204030204" pitchFamily="34" charset="0"/>
-                <a:cs typeface="Times New Roman" panose="02020603050405020304" pitchFamily="18" charset="0"/>
-              </a:rPr>
-              <a:t>Однако, готовые цифровые инструменты, существующие на рынке, которые позволяют автоматизировать сбор и проводить анализ собранных данных, не могут в полной мере удовлетворить потребность агрегации данных по различным административным единицам учреждений высшего образования. </a:t>
-            </a:r>
-            <a:endParaRPr lang="ru-RU" sz="1800" dirty="0">
-              <a:effectLst/>
-              <a:latin typeface="Calibri" panose="020F0502020204030204" pitchFamily="34" charset="0"/>
-              <a:ea typeface="Calibri" panose="020F0502020204030204" pitchFamily="34" charset="0"/>
-              <a:cs typeface="Times New Roman" panose="02020603050405020304" pitchFamily="18" charset="0"/>
-            </a:endParaRPr>
-          </a:p>
-          <a:p>
-            <a:pPr indent="450215" algn="just">
-              <a:lnSpc>
-                <a:spcPct val="115000"/>
-              </a:lnSpc>
-              <a:spcAft>
-                <a:spcPts val="1000"/>
-              </a:spcAft>
+              <a:rPr lang="ru-RU" dirty="0"/>
+              <a:t>Составление сравнительной характеристики существующих решений</a:t>
+            </a:r>
+          </a:p>
+          <a:p>
+            <a:pPr marL="228600" indent="-228600">
+              <a:buAutoNum type="arabicPeriod"/>
             </a:pPr>
             <a:r>
-              <a:rPr lang="ru-RU" sz="1800" dirty="0">
-                <a:solidFill>
-                  <a:srgbClr val="000000"/>
-                </a:solidFill>
-                <a:effectLst/>
-                <a:latin typeface="Times New Roman" panose="02020603050405020304" pitchFamily="18" charset="0"/>
-                <a:ea typeface="Calibri" panose="020F0502020204030204" pitchFamily="34" charset="0"/>
-                <a:cs typeface="Times New Roman" panose="02020603050405020304" pitchFamily="18" charset="0"/>
-              </a:rPr>
-              <a:t>В этой связи, для улучшения качества предоставления услуг образования, анализа собранных данных и аудита, планируется разработать программное решение, которое обеспечит единую точку сбора метрик, их анализа и инструментов агрегации по целевым признакам и административным единицам. </a:t>
-            </a:r>
-            <a:endParaRPr lang="ru-RU" sz="1800" dirty="0">
-              <a:effectLst/>
-              <a:latin typeface="Calibri" panose="020F0502020204030204" pitchFamily="34" charset="0"/>
-              <a:ea typeface="Calibri" panose="020F0502020204030204" pitchFamily="34" charset="0"/>
-              <a:cs typeface="Times New Roman" panose="02020603050405020304" pitchFamily="18" charset="0"/>
-            </a:endParaRPr>
-          </a:p>
-          <a:p>
-            <a:endParaRPr lang="ru-RU" dirty="0"/>
+              <a:rPr lang="ru-RU" dirty="0"/>
+              <a:t>Формирование функциональных требований к целевой разрабатываемой системе.</a:t>
+            </a:r>
           </a:p>
         </p:txBody>
       </p:sp>
@@ -690,7 +676,7 @@
           <a:p>
             <a:fld id="{DFBC7FCB-A49B-4D65-AABF-F134B0745EA1}" type="slidenum">
               <a:rPr lang="ru-RU" smtClean="0"/>
-              <a:t>3</a:t>
+              <a:t>2</a:t>
             </a:fld>
             <a:endParaRPr lang="ru-RU"/>
           </a:p>
@@ -699,7 +685,7 @@
     </p:spTree>
     <p:extLst>
       <p:ext uri="{BB962C8B-B14F-4D97-AF65-F5344CB8AC3E}">
-        <p14:creationId xmlns:p14="http://schemas.microsoft.com/office/powerpoint/2010/main" val="55066451"/>
+        <p14:creationId xmlns:p14="http://schemas.microsoft.com/office/powerpoint/2010/main" val="998956348"/>
       </p:ext>
     </p:extLst>
   </p:cSld>
@@ -753,6 +739,259 @@
           <a:bodyPr/>
           <a:lstStyle/>
           <a:p>
+            <a:pPr indent="450215" algn="just">
+              <a:lnSpc>
+                <a:spcPct val="115000"/>
+              </a:lnSpc>
+              <a:spcAft>
+                <a:spcPts val="1000"/>
+              </a:spcAft>
+              <a:buNone/>
+            </a:pPr>
+            <a:r>
+              <a:rPr lang="ru-RU" sz="1800" dirty="0">
+                <a:solidFill>
+                  <a:srgbClr val="000000"/>
+                </a:solidFill>
+                <a:effectLst/>
+                <a:latin typeface="Times New Roman" panose="02020603050405020304" pitchFamily="18" charset="0"/>
+                <a:ea typeface="Calibri" panose="020F0502020204030204" pitchFamily="34" charset="0"/>
+                <a:cs typeface="Times New Roman" panose="02020603050405020304" pitchFamily="18" charset="0"/>
+              </a:rPr>
+              <a:t>Актуальность</a:t>
+            </a:r>
+          </a:p>
+          <a:p>
+            <a:pPr indent="450215" algn="just">
+              <a:lnSpc>
+                <a:spcPct val="115000"/>
+              </a:lnSpc>
+              <a:spcAft>
+                <a:spcPts val="1000"/>
+              </a:spcAft>
+              <a:buNone/>
+            </a:pPr>
+            <a:endParaRPr lang="ru-RU" sz="1800" dirty="0">
+              <a:solidFill>
+                <a:srgbClr val="000000"/>
+              </a:solidFill>
+              <a:effectLst/>
+              <a:latin typeface="Times New Roman" panose="02020603050405020304" pitchFamily="18" charset="0"/>
+              <a:ea typeface="Calibri" panose="020F0502020204030204" pitchFamily="34" charset="0"/>
+              <a:cs typeface="Times New Roman" panose="02020603050405020304" pitchFamily="18" charset="0"/>
+            </a:endParaRPr>
+          </a:p>
+          <a:p>
+            <a:pPr marL="0" marR="0" lvl="0" indent="450215" algn="just" defTabSz="914400" rtl="0" eaLnBrk="1" fontAlgn="auto" latinLnBrk="0" hangingPunct="1">
+              <a:lnSpc>
+                <a:spcPct val="115000"/>
+              </a:lnSpc>
+              <a:spcBef>
+                <a:spcPts val="0"/>
+              </a:spcBef>
+              <a:spcAft>
+                <a:spcPts val="1000"/>
+              </a:spcAft>
+              <a:buClrTx/>
+              <a:buSzTx/>
+              <a:buFontTx/>
+              <a:buNone/>
+              <a:tabLst/>
+              <a:defRPr/>
+            </a:pPr>
+            <a:r>
+              <a:rPr lang="ru-RU" sz="2800" b="0" dirty="0">
+                <a:latin typeface="Times New Roman" panose="02020603050405020304" pitchFamily="18" charset="0"/>
+                <a:cs typeface="Times New Roman" panose="02020603050405020304" pitchFamily="18" charset="0"/>
+              </a:rPr>
+              <a:t>В современной российской системе образования возрастает потребность в объективной и комплексной оценке качества учебных занятий</a:t>
+            </a:r>
+            <a:r>
+              <a:rPr lang="en-US" sz="2800" b="0" dirty="0">
+                <a:latin typeface="Times New Roman" panose="02020603050405020304" pitchFamily="18" charset="0"/>
+                <a:cs typeface="Times New Roman" panose="02020603050405020304" pitchFamily="18" charset="0"/>
+              </a:rPr>
+              <a:t>(</a:t>
+            </a:r>
+            <a:r>
+              <a:rPr lang="ru-RU" sz="2800" b="0" dirty="0">
+                <a:latin typeface="Times New Roman" panose="02020603050405020304" pitchFamily="18" charset="0"/>
+                <a:cs typeface="Times New Roman" panose="02020603050405020304" pitchFamily="18" charset="0"/>
+              </a:rPr>
+              <a:t>лекции, семинары, лабораторные работы). Традиционные методы, такие как наблюдение и анкетирование, дополняются цифровыми инструментами, которые позволяют автоматизировать сбор и анализ данных. </a:t>
+            </a:r>
+            <a:endParaRPr lang="ru-RU" sz="1800" dirty="0">
+              <a:solidFill>
+                <a:srgbClr val="000000"/>
+              </a:solidFill>
+              <a:effectLst/>
+              <a:latin typeface="Times New Roman" panose="02020603050405020304" pitchFamily="18" charset="0"/>
+              <a:ea typeface="Calibri" panose="020F0502020204030204" pitchFamily="34" charset="0"/>
+              <a:cs typeface="Times New Roman" panose="02020603050405020304" pitchFamily="18" charset="0"/>
+            </a:endParaRPr>
+          </a:p>
+          <a:p>
+            <a:pPr indent="450215" algn="just">
+              <a:lnSpc>
+                <a:spcPct val="115000"/>
+              </a:lnSpc>
+              <a:spcAft>
+                <a:spcPts val="1000"/>
+              </a:spcAft>
+              <a:buNone/>
+            </a:pPr>
+            <a:endParaRPr lang="ru-RU" sz="1800" dirty="0">
+              <a:solidFill>
+                <a:srgbClr val="000000"/>
+              </a:solidFill>
+              <a:effectLst/>
+              <a:latin typeface="Times New Roman" panose="02020603050405020304" pitchFamily="18" charset="0"/>
+              <a:ea typeface="Calibri" panose="020F0502020204030204" pitchFamily="34" charset="0"/>
+              <a:cs typeface="Times New Roman" panose="02020603050405020304" pitchFamily="18" charset="0"/>
+            </a:endParaRPr>
+          </a:p>
+          <a:p>
+            <a:pPr indent="450215" algn="just">
+              <a:lnSpc>
+                <a:spcPct val="115000"/>
+              </a:lnSpc>
+              <a:spcAft>
+                <a:spcPts val="1000"/>
+              </a:spcAft>
+              <a:buNone/>
+            </a:pPr>
+            <a:r>
+              <a:rPr lang="ru-RU" sz="1800" dirty="0">
+                <a:solidFill>
+                  <a:srgbClr val="000000"/>
+                </a:solidFill>
+                <a:effectLst/>
+                <a:latin typeface="Times New Roman" panose="02020603050405020304" pitchFamily="18" charset="0"/>
+                <a:ea typeface="Calibri" panose="020F0502020204030204" pitchFamily="34" charset="0"/>
+                <a:cs typeface="Times New Roman" panose="02020603050405020304" pitchFamily="18" charset="0"/>
+              </a:rPr>
+              <a:t>Однако, готовые цифровые инструменты, существующие на рынке, которые позволяют автоматизировать сбор и проводить анализ собранных данных, не могут в полной мере удовлетворить потребность агрегации данных по различным административным единицам учреждений высшего образования. </a:t>
+            </a:r>
+            <a:endParaRPr lang="ru-RU" sz="1800" dirty="0">
+              <a:effectLst/>
+              <a:latin typeface="Calibri" panose="020F0502020204030204" pitchFamily="34" charset="0"/>
+              <a:ea typeface="Calibri" panose="020F0502020204030204" pitchFamily="34" charset="0"/>
+              <a:cs typeface="Times New Roman" panose="02020603050405020304" pitchFamily="18" charset="0"/>
+            </a:endParaRPr>
+          </a:p>
+          <a:p>
+            <a:pPr indent="450215" algn="just">
+              <a:lnSpc>
+                <a:spcPct val="115000"/>
+              </a:lnSpc>
+              <a:spcAft>
+                <a:spcPts val="1000"/>
+              </a:spcAft>
+            </a:pPr>
+            <a:r>
+              <a:rPr lang="ru-RU" sz="1800" dirty="0">
+                <a:solidFill>
+                  <a:srgbClr val="000000"/>
+                </a:solidFill>
+                <a:effectLst/>
+                <a:latin typeface="Times New Roman" panose="02020603050405020304" pitchFamily="18" charset="0"/>
+                <a:ea typeface="Calibri" panose="020F0502020204030204" pitchFamily="34" charset="0"/>
+                <a:cs typeface="Times New Roman" panose="02020603050405020304" pitchFamily="18" charset="0"/>
+              </a:rPr>
+              <a:t>В этой связи, для улучшения качества предоставления услуг образования, анализа собранных данных и аудита, планируется разработать программное решение, которое обеспечит единую точку сбора метрик, их анализа и инструментов агрегации по целевым признакам и административным единицам. </a:t>
+            </a:r>
+            <a:endParaRPr lang="ru-RU" sz="1800" dirty="0">
+              <a:effectLst/>
+              <a:latin typeface="Calibri" panose="020F0502020204030204" pitchFamily="34" charset="0"/>
+              <a:ea typeface="Calibri" panose="020F0502020204030204" pitchFamily="34" charset="0"/>
+              <a:cs typeface="Times New Roman" panose="02020603050405020304" pitchFamily="18" charset="0"/>
+            </a:endParaRPr>
+          </a:p>
+          <a:p>
+            <a:endParaRPr lang="ru-RU" dirty="0"/>
+          </a:p>
+        </p:txBody>
+      </p:sp>
+      <p:sp>
+        <p:nvSpPr>
+          <p:cNvPr id="4" name="Номер слайда 3"/>
+          <p:cNvSpPr>
+            <a:spLocks noGrp="1"/>
+          </p:cNvSpPr>
+          <p:nvPr>
+            <p:ph type="sldNum" sz="quarter" idx="5"/>
+          </p:nvPr>
+        </p:nvSpPr>
+        <p:spPr/>
+        <p:txBody>
+          <a:bodyPr/>
+          <a:lstStyle/>
+          <a:p>
+            <a:fld id="{DFBC7FCB-A49B-4D65-AABF-F134B0745EA1}" type="slidenum">
+              <a:rPr lang="ru-RU" smtClean="0"/>
+              <a:t>3</a:t>
+            </a:fld>
+            <a:endParaRPr lang="ru-RU"/>
+          </a:p>
+        </p:txBody>
+      </p:sp>
+    </p:spTree>
+    <p:extLst>
+      <p:ext uri="{BB962C8B-B14F-4D97-AF65-F5344CB8AC3E}">
+        <p14:creationId xmlns:p14="http://schemas.microsoft.com/office/powerpoint/2010/main" val="55066451"/>
+      </p:ext>
+    </p:extLst>
+  </p:cSld>
+  <p:clrMapOvr>
+    <a:masterClrMapping/>
+  </p:clrMapOvr>
+</p:notes>
+</file>
+
+<file path=ppt/notesSlides/notesSlide4.xml><?xml version="1.0" encoding="utf-8"?>
+<p:notes xmlns:a="http://schemas.openxmlformats.org/drawingml/2006/main" xmlns:r="http://schemas.openxmlformats.org/officeDocument/2006/relationships" xmlns:p="http://schemas.openxmlformats.org/presentationml/2006/main">
+  <p:cSld>
+    <p:spTree>
+      <p:nvGrpSpPr>
+        <p:cNvPr id="1" name=""/>
+        <p:cNvGrpSpPr/>
+        <p:nvPr/>
+      </p:nvGrpSpPr>
+      <p:grpSpPr>
+        <a:xfrm>
+          <a:off x="0" y="0"/>
+          <a:ext cx="0" cy="0"/>
+          <a:chOff x="0" y="0"/>
+          <a:chExt cx="0" cy="0"/>
+        </a:xfrm>
+      </p:grpSpPr>
+      <p:sp>
+        <p:nvSpPr>
+          <p:cNvPr id="2" name="Образ слайда 1"/>
+          <p:cNvSpPr>
+            <a:spLocks noGrp="1" noRot="1" noChangeAspect="1"/>
+          </p:cNvSpPr>
+          <p:nvPr>
+            <p:ph type="sldImg"/>
+          </p:nvPr>
+        </p:nvSpPr>
+        <p:spPr/>
+      </p:sp>
+      <p:sp>
+        <p:nvSpPr>
+          <p:cNvPr id="3" name="Заметки 2"/>
+          <p:cNvSpPr>
+            <a:spLocks noGrp="1"/>
+          </p:cNvSpPr>
+          <p:nvPr>
+            <p:ph type="body" idx="1"/>
+          </p:nvPr>
+        </p:nvSpPr>
+        <p:spPr/>
+        <p:txBody>
+          <a:bodyPr/>
+          <a:lstStyle/>
+          <a:p>
             <a:pPr marL="0" marR="0" lvl="0" indent="0" algn="l" defTabSz="914400" rtl="0" eaLnBrk="1" fontAlgn="auto" latinLnBrk="0" hangingPunct="1">
               <a:lnSpc>
                 <a:spcPct val="100000"/>
@@ -781,37 +1020,6 @@
                 <a:cs typeface="Times New Roman" panose="02020603050405020304" pitchFamily="18" charset="0"/>
               </a:rPr>
               <a:t>Перед разработкой целевой системы был проведён анализ существующих популярных решений и сформирована сравнительная характеристика по целевым критериям, описывающем необходимость в разработке.</a:t>
-            </a:r>
-          </a:p>
-          <a:p>
-            <a:pPr marL="0" marR="0" lvl="0" indent="0" algn="l" defTabSz="914400" rtl="0" eaLnBrk="1" fontAlgn="auto" latinLnBrk="0" hangingPunct="1">
-              <a:lnSpc>
-                <a:spcPct val="100000"/>
-              </a:lnSpc>
-              <a:spcBef>
-                <a:spcPts val="0"/>
-              </a:spcBef>
-              <a:spcAft>
-                <a:spcPts val="0"/>
-              </a:spcAft>
-              <a:buClrTx/>
-              <a:buSzTx/>
-              <a:buFontTx/>
-              <a:buNone/>
-              <a:tabLst/>
-              <a:defRPr/>
-            </a:pPr>
-            <a:r>
-              <a:rPr lang="ru-RU" sz="1800" dirty="0">
-                <a:solidFill>
-                  <a:srgbClr val="000000"/>
-                </a:solidFill>
-                <a:effectLst/>
-                <a:latin typeface="Times New Roman" panose="02020603050405020304" pitchFamily="18" charset="0"/>
-                <a:ea typeface="Calibri" panose="020F0502020204030204" pitchFamily="34" charset="0"/>
-                <a:cs typeface="Times New Roman" panose="02020603050405020304" pitchFamily="18" charset="0"/>
-              </a:rPr>
-              <a:t>Для репрезентативности, в сводную таблицу вошли те критерии, для достижения которых разрабатывается целевая система.</a:t>
             </a:r>
           </a:p>
           <a:p>
@@ -870,79 +1078,7 @@
                 <a:ea typeface="Calibri" panose="020F0502020204030204" pitchFamily="34" charset="0"/>
                 <a:cs typeface="Times New Roman" panose="02020603050405020304" pitchFamily="18" charset="0"/>
               </a:rPr>
-              <a:t>Так, в самых популярных  системах сбора метрик и</a:t>
-            </a:r>
-            <a:r>
-              <a:rPr lang="en-US" sz="1800" dirty="0">
-                <a:solidFill>
-                  <a:srgbClr val="000000"/>
-                </a:solidFill>
-                <a:effectLst/>
-                <a:latin typeface="Times New Roman" panose="02020603050405020304" pitchFamily="18" charset="0"/>
-                <a:ea typeface="Calibri" panose="020F0502020204030204" pitchFamily="34" charset="0"/>
-                <a:cs typeface="Times New Roman" panose="02020603050405020304" pitchFamily="18" charset="0"/>
-              </a:rPr>
-              <a:t>/</a:t>
-            </a:r>
-            <a:r>
-              <a:rPr lang="ru-RU" sz="1800" dirty="0">
-                <a:solidFill>
-                  <a:srgbClr val="000000"/>
-                </a:solidFill>
-                <a:effectLst/>
-                <a:latin typeface="Times New Roman" panose="02020603050405020304" pitchFamily="18" charset="0"/>
-                <a:ea typeface="Calibri" panose="020F0502020204030204" pitchFamily="34" charset="0"/>
-                <a:cs typeface="Times New Roman" panose="02020603050405020304" pitchFamily="18" charset="0"/>
-              </a:rPr>
-              <a:t>или онлайн-образования отсутствуют возможности анализа вовлеченности </a:t>
-            </a:r>
-            <a:r>
-              <a:rPr lang="en-US" sz="1800" dirty="0">
-                <a:solidFill>
-                  <a:srgbClr val="000000"/>
-                </a:solidFill>
-                <a:effectLst/>
-                <a:latin typeface="Times New Roman" panose="02020603050405020304" pitchFamily="18" charset="0"/>
-                <a:ea typeface="Calibri" panose="020F0502020204030204" pitchFamily="34" charset="0"/>
-                <a:cs typeface="Times New Roman" panose="02020603050405020304" pitchFamily="18" charset="0"/>
-              </a:rPr>
-              <a:t>“</a:t>
-            </a:r>
-            <a:r>
-              <a:rPr lang="ru-RU" sz="1800" dirty="0">
-                <a:solidFill>
-                  <a:srgbClr val="000000"/>
-                </a:solidFill>
-                <a:effectLst/>
-                <a:latin typeface="Times New Roman" panose="02020603050405020304" pitchFamily="18" charset="0"/>
-                <a:ea typeface="Calibri" panose="020F0502020204030204" pitchFamily="34" charset="0"/>
-                <a:cs typeface="Times New Roman" panose="02020603050405020304" pitchFamily="18" charset="0"/>
-              </a:rPr>
-              <a:t>группы</a:t>
-            </a:r>
-            <a:r>
-              <a:rPr lang="en-US" sz="1800" dirty="0">
-                <a:solidFill>
-                  <a:srgbClr val="000000"/>
-                </a:solidFill>
-                <a:effectLst/>
-                <a:latin typeface="Times New Roman" panose="02020603050405020304" pitchFamily="18" charset="0"/>
-                <a:ea typeface="Calibri" panose="020F0502020204030204" pitchFamily="34" charset="0"/>
-                <a:cs typeface="Times New Roman" panose="02020603050405020304" pitchFamily="18" charset="0"/>
-              </a:rPr>
-              <a:t>”</a:t>
-            </a:r>
-            <a:r>
-              <a:rPr lang="ru-RU" sz="1800" dirty="0">
-                <a:solidFill>
-                  <a:srgbClr val="000000"/>
-                </a:solidFill>
-                <a:effectLst/>
-                <a:latin typeface="Times New Roman" panose="02020603050405020304" pitchFamily="18" charset="0"/>
-                <a:ea typeface="Calibri" panose="020F0502020204030204" pitchFamily="34" charset="0"/>
-                <a:cs typeface="Times New Roman" panose="02020603050405020304" pitchFamily="18" charset="0"/>
-              </a:rPr>
-              <a:t>студентов, как числовой метрики, позволяющей наблюдать динамику и тенденции.</a:t>
+              <a:t>Для репрезентативности, в сводную таблицу вошли те критерии, для достижения которых разрабатывается целевая система.</a:t>
             </a:r>
           </a:p>
           <a:p>
@@ -1001,7 +1137,79 @@
                 <a:ea typeface="Calibri" panose="020F0502020204030204" pitchFamily="34" charset="0"/>
                 <a:cs typeface="Times New Roman" panose="02020603050405020304" pitchFamily="18" charset="0"/>
               </a:rPr>
-              <a:t>Также немаловажную роль играет оценка преподавателем «Группы» студентов, т.к. такая оценка может более гибко отражать субъективное восприятие качества проведённого занятия преподавателем, что позволит вовремя провести аудит, обнаружить и разрешить проблемные ситуации. </a:t>
+              <a:t>Так, в самых популярных  системах сбора метрик и</a:t>
+            </a:r>
+            <a:r>
+              <a:rPr lang="en-US" sz="1800" dirty="0">
+                <a:solidFill>
+                  <a:srgbClr val="000000"/>
+                </a:solidFill>
+                <a:effectLst/>
+                <a:latin typeface="Times New Roman" panose="02020603050405020304" pitchFamily="18" charset="0"/>
+                <a:ea typeface="Calibri" panose="020F0502020204030204" pitchFamily="34" charset="0"/>
+                <a:cs typeface="Times New Roman" panose="02020603050405020304" pitchFamily="18" charset="0"/>
+              </a:rPr>
+              <a:t>/</a:t>
+            </a:r>
+            <a:r>
+              <a:rPr lang="ru-RU" sz="1800" dirty="0">
+                <a:solidFill>
+                  <a:srgbClr val="000000"/>
+                </a:solidFill>
+                <a:effectLst/>
+                <a:latin typeface="Times New Roman" panose="02020603050405020304" pitchFamily="18" charset="0"/>
+                <a:ea typeface="Calibri" panose="020F0502020204030204" pitchFamily="34" charset="0"/>
+                <a:cs typeface="Times New Roman" panose="02020603050405020304" pitchFamily="18" charset="0"/>
+              </a:rPr>
+              <a:t>или онлайн-образования отсутствуют возможности анализа вовлеченности </a:t>
+            </a:r>
+            <a:r>
+              <a:rPr lang="en-US" sz="1800" dirty="0">
+                <a:solidFill>
+                  <a:srgbClr val="000000"/>
+                </a:solidFill>
+                <a:effectLst/>
+                <a:latin typeface="Times New Roman" panose="02020603050405020304" pitchFamily="18" charset="0"/>
+                <a:ea typeface="Calibri" panose="020F0502020204030204" pitchFamily="34" charset="0"/>
+                <a:cs typeface="Times New Roman" panose="02020603050405020304" pitchFamily="18" charset="0"/>
+              </a:rPr>
+              <a:t>“</a:t>
+            </a:r>
+            <a:r>
+              <a:rPr lang="ru-RU" sz="1800" dirty="0">
+                <a:solidFill>
+                  <a:srgbClr val="000000"/>
+                </a:solidFill>
+                <a:effectLst/>
+                <a:latin typeface="Times New Roman" panose="02020603050405020304" pitchFamily="18" charset="0"/>
+                <a:ea typeface="Calibri" panose="020F0502020204030204" pitchFamily="34" charset="0"/>
+                <a:cs typeface="Times New Roman" panose="02020603050405020304" pitchFamily="18" charset="0"/>
+              </a:rPr>
+              <a:t>группы</a:t>
+            </a:r>
+            <a:r>
+              <a:rPr lang="en-US" sz="1800" dirty="0">
+                <a:solidFill>
+                  <a:srgbClr val="000000"/>
+                </a:solidFill>
+                <a:effectLst/>
+                <a:latin typeface="Times New Roman" panose="02020603050405020304" pitchFamily="18" charset="0"/>
+                <a:ea typeface="Calibri" panose="020F0502020204030204" pitchFamily="34" charset="0"/>
+                <a:cs typeface="Times New Roman" panose="02020603050405020304" pitchFamily="18" charset="0"/>
+              </a:rPr>
+              <a:t>”</a:t>
+            </a:r>
+            <a:r>
+              <a:rPr lang="ru-RU" sz="1800" dirty="0">
+                <a:solidFill>
+                  <a:srgbClr val="000000"/>
+                </a:solidFill>
+                <a:effectLst/>
+                <a:latin typeface="Times New Roman" panose="02020603050405020304" pitchFamily="18" charset="0"/>
+                <a:ea typeface="Calibri" panose="020F0502020204030204" pitchFamily="34" charset="0"/>
+                <a:cs typeface="Times New Roman" panose="02020603050405020304" pitchFamily="18" charset="0"/>
+              </a:rPr>
+              <a:t>студентов, как числовой метрики, позволяющей наблюдать динамику и тенденции.</a:t>
             </a:r>
           </a:p>
           <a:p>
@@ -1060,7 +1268,7 @@
                 <a:ea typeface="Calibri" panose="020F0502020204030204" pitchFamily="34" charset="0"/>
                 <a:cs typeface="Times New Roman" panose="02020603050405020304" pitchFamily="18" charset="0"/>
               </a:rPr>
-              <a:t>Под Агрегацией метрик по различным административным единицам подразумевается возможность собирать и анализировать показатели на различных уровнях. Такими уровнями могут быть Институты, кафедры, предметы, потоки, преподаватели, группы и т.д. Это позволит в динамике получать комплексную картину, основанную на числовых метриках, для возможности проведения объективного аудита.</a:t>
+              <a:t>Также немаловажную роль играет оценка преподавателем «Группы» студентов, т.к. такая оценка может более гибко отражать субъективное восприятие качества проведённого занятия преподавателем, что позволит вовремя провести аудит, обнаружить и разрешить проблемные ситуации. </a:t>
             </a:r>
           </a:p>
           <a:p>
@@ -1109,6 +1317,65 @@
               <a:tabLst/>
               <a:defRPr/>
             </a:pPr>
+            <a:r>
+              <a:rPr lang="ru-RU" sz="1800" dirty="0">
+                <a:solidFill>
+                  <a:srgbClr val="000000"/>
+                </a:solidFill>
+                <a:effectLst/>
+                <a:latin typeface="Times New Roman" panose="02020603050405020304" pitchFamily="18" charset="0"/>
+                <a:ea typeface="Calibri" panose="020F0502020204030204" pitchFamily="34" charset="0"/>
+                <a:cs typeface="Times New Roman" panose="02020603050405020304" pitchFamily="18" charset="0"/>
+              </a:rPr>
+              <a:t>Под Агрегацией метрик по различным административным единицам подразумевается возможность собирать и анализировать показатели на различных административных уровнях. Такими уровнями могут быть Институты, кафедры, предметы, потоки, преподаватели, группы и т.д. Это позволит в динамике получать комплексную картину, основанную на числовых метриках, для возможности проведения объективного аудита.</a:t>
+            </a:r>
+          </a:p>
+          <a:p>
+            <a:pPr marL="0" marR="0" lvl="0" indent="0" algn="l" defTabSz="914400" rtl="0" eaLnBrk="1" fontAlgn="auto" latinLnBrk="0" hangingPunct="1">
+              <a:lnSpc>
+                <a:spcPct val="100000"/>
+              </a:lnSpc>
+              <a:spcBef>
+                <a:spcPts val="0"/>
+              </a:spcBef>
+              <a:spcAft>
+                <a:spcPts val="0"/>
+              </a:spcAft>
+              <a:buClrTx/>
+              <a:buSzTx/>
+              <a:buFontTx/>
+              <a:buNone/>
+              <a:tabLst/>
+              <a:defRPr/>
+            </a:pPr>
+            <a:endParaRPr lang="ru-RU" sz="1800" dirty="0">
+              <a:solidFill>
+                <a:srgbClr val="000000"/>
+              </a:solidFill>
+              <a:effectLst/>
+              <a:latin typeface="Times New Roman" panose="02020603050405020304" pitchFamily="18" charset="0"/>
+              <a:ea typeface="Calibri" panose="020F0502020204030204" pitchFamily="34" charset="0"/>
+              <a:cs typeface="Times New Roman" panose="02020603050405020304" pitchFamily="18" charset="0"/>
+            </a:endParaRPr>
+          </a:p>
+          <a:p>
+            <a:pPr marL="0" marR="0" lvl="0" indent="0" algn="l" defTabSz="914400" rtl="0" eaLnBrk="1" fontAlgn="auto" latinLnBrk="0" hangingPunct="1">
+              <a:lnSpc>
+                <a:spcPct val="100000"/>
+              </a:lnSpc>
+              <a:spcBef>
+                <a:spcPts val="0"/>
+              </a:spcBef>
+              <a:spcAft>
+                <a:spcPts val="0"/>
+              </a:spcAft>
+              <a:buClrTx/>
+              <a:buSzTx/>
+              <a:buFontTx/>
+              <a:buNone/>
+              <a:tabLst/>
+              <a:defRPr/>
+            </a:pPr>
             <a:endParaRPr lang="ru-RU" sz="1800" dirty="0">
               <a:effectLst/>
               <a:latin typeface="Calibri" panose="020F0502020204030204" pitchFamily="34" charset="0"/>
@@ -1148,6 +1415,298 @@
     <p:extLst>
       <p:ext uri="{BB962C8B-B14F-4D97-AF65-F5344CB8AC3E}">
         <p14:creationId xmlns:p14="http://schemas.microsoft.com/office/powerpoint/2010/main" val="2699195344"/>
+      </p:ext>
+    </p:extLst>
+  </p:cSld>
+  <p:clrMapOvr>
+    <a:masterClrMapping/>
+  </p:clrMapOvr>
+</p:notes>
+</file>
+
+<file path=ppt/notesSlides/notesSlide5.xml><?xml version="1.0" encoding="utf-8"?>
+<p:notes xmlns:a="http://schemas.openxmlformats.org/drawingml/2006/main" xmlns:r="http://schemas.openxmlformats.org/officeDocument/2006/relationships" xmlns:p="http://schemas.openxmlformats.org/presentationml/2006/main">
+  <p:cSld>
+    <p:spTree>
+      <p:nvGrpSpPr>
+        <p:cNvPr id="1" name=""/>
+        <p:cNvGrpSpPr/>
+        <p:nvPr/>
+      </p:nvGrpSpPr>
+      <p:grpSpPr>
+        <a:xfrm>
+          <a:off x="0" y="0"/>
+          <a:ext cx="0" cy="0"/>
+          <a:chOff x="0" y="0"/>
+          <a:chExt cx="0" cy="0"/>
+        </a:xfrm>
+      </p:grpSpPr>
+      <p:sp>
+        <p:nvSpPr>
+          <p:cNvPr id="2" name="Образ слайда 1"/>
+          <p:cNvSpPr>
+            <a:spLocks noGrp="1" noRot="1" noChangeAspect="1"/>
+          </p:cNvSpPr>
+          <p:nvPr>
+            <p:ph type="sldImg"/>
+          </p:nvPr>
+        </p:nvSpPr>
+        <p:spPr/>
+      </p:sp>
+      <p:sp>
+        <p:nvSpPr>
+          <p:cNvPr id="3" name="Заметки 2"/>
+          <p:cNvSpPr>
+            <a:spLocks noGrp="1"/>
+          </p:cNvSpPr>
+          <p:nvPr>
+            <p:ph type="body" idx="1"/>
+          </p:nvPr>
+        </p:nvSpPr>
+        <p:spPr/>
+        <p:txBody>
+          <a:bodyPr/>
+          <a:lstStyle/>
+          <a:p>
+            <a:r>
+              <a:rPr lang="ru-RU" dirty="0">
+                <a:solidFill>
+                  <a:srgbClr val="000000"/>
+                </a:solidFill>
+                <a:latin typeface="Times New Roman" panose="02020603050405020304" pitchFamily="18" charset="0"/>
+                <a:ea typeface="Calibri" panose="020F0502020204030204" pitchFamily="34" charset="0"/>
+                <a:cs typeface="Times New Roman" panose="02020603050405020304" pitchFamily="18" charset="0"/>
+              </a:rPr>
+              <a:t>В результате анализа существующих решений, было принято решение </a:t>
+            </a:r>
+            <a:r>
+              <a:rPr lang="ru-RU" sz="1200" dirty="0">
+                <a:solidFill>
+                  <a:srgbClr val="000000"/>
+                </a:solidFill>
+                <a:effectLst/>
+                <a:latin typeface="Times New Roman" panose="02020603050405020304" pitchFamily="18" charset="0"/>
+                <a:ea typeface="Calibri" panose="020F0502020204030204" pitchFamily="34" charset="0"/>
+                <a:cs typeface="Times New Roman" panose="02020603050405020304" pitchFamily="18" charset="0"/>
+              </a:rPr>
+              <a:t>разработать систему, которое обеспечит единую точку сбора метрик, их анализа и инструментов агрегации по целевым признакам</a:t>
+            </a:r>
+            <a:r>
+              <a:rPr lang="en-US" sz="1200" dirty="0">
+                <a:solidFill>
+                  <a:srgbClr val="000000"/>
+                </a:solidFill>
+                <a:effectLst/>
+                <a:latin typeface="Times New Roman" panose="02020603050405020304" pitchFamily="18" charset="0"/>
+                <a:ea typeface="Calibri" panose="020F0502020204030204" pitchFamily="34" charset="0"/>
+                <a:cs typeface="Times New Roman" panose="02020603050405020304" pitchFamily="18" charset="0"/>
+              </a:rPr>
+              <a:t>:</a:t>
+            </a:r>
+          </a:p>
+          <a:p>
+            <a:pPr marL="342900" indent="-342900">
+              <a:buAutoNum type="arabicPeriod"/>
+            </a:pPr>
+            <a:r>
+              <a:rPr lang="ru-RU" dirty="0">
+                <a:solidFill>
+                  <a:srgbClr val="000000"/>
+                </a:solidFill>
+                <a:latin typeface="Times New Roman" panose="02020603050405020304" pitchFamily="18" charset="0"/>
+                <a:cs typeface="Times New Roman" panose="02020603050405020304" pitchFamily="18" charset="0"/>
+              </a:rPr>
+              <a:t>Перекрёстное оценивание (группы оценивают преподавателя и преподаватель группы)</a:t>
+            </a:r>
+          </a:p>
+          <a:p>
+            <a:pPr marL="342900" indent="-342900">
+              <a:buFontTx/>
+              <a:buAutoNum type="arabicPeriod"/>
+            </a:pPr>
+            <a:r>
+              <a:rPr lang="ru-RU" dirty="0">
+                <a:solidFill>
+                  <a:srgbClr val="000000"/>
+                </a:solidFill>
+                <a:latin typeface="Times New Roman" panose="02020603050405020304" pitchFamily="18" charset="0"/>
+                <a:cs typeface="Times New Roman" panose="02020603050405020304" pitchFamily="18" charset="0"/>
+              </a:rPr>
+              <a:t>Анализа вовлечённости студентов (тестирование и результат перекрёстного оценивания)</a:t>
+            </a:r>
+          </a:p>
+          <a:p>
+            <a:pPr marL="342900" indent="-342900">
+              <a:buAutoNum type="arabicPeriod"/>
+            </a:pPr>
+            <a:r>
+              <a:rPr lang="ru-RU" dirty="0">
+                <a:solidFill>
+                  <a:srgbClr val="000000"/>
+                </a:solidFill>
+                <a:latin typeface="Times New Roman" panose="02020603050405020304" pitchFamily="18" charset="0"/>
+                <a:cs typeface="Times New Roman" panose="02020603050405020304" pitchFamily="18" charset="0"/>
+              </a:rPr>
+              <a:t>Агрегация метрик по административным единицам (кафедра, институт, предмет, группа, поток и т.п.) </a:t>
+            </a:r>
+            <a:endParaRPr lang="ru-RU" dirty="0">
+              <a:latin typeface="Times New Roman" panose="02020603050405020304" pitchFamily="18" charset="0"/>
+              <a:cs typeface="Times New Roman" panose="02020603050405020304" pitchFamily="18" charset="0"/>
+            </a:endParaRPr>
+          </a:p>
+          <a:p>
+            <a:endParaRPr lang="ru-RU" dirty="0"/>
+          </a:p>
+        </p:txBody>
+      </p:sp>
+      <p:sp>
+        <p:nvSpPr>
+          <p:cNvPr id="4" name="Номер слайда 3"/>
+          <p:cNvSpPr>
+            <a:spLocks noGrp="1"/>
+          </p:cNvSpPr>
+          <p:nvPr>
+            <p:ph type="sldNum" sz="quarter" idx="5"/>
+          </p:nvPr>
+        </p:nvSpPr>
+        <p:spPr/>
+        <p:txBody>
+          <a:bodyPr/>
+          <a:lstStyle/>
+          <a:p>
+            <a:fld id="{DFBC7FCB-A49B-4D65-AABF-F134B0745EA1}" type="slidenum">
+              <a:rPr lang="ru-RU" smtClean="0"/>
+              <a:t>5</a:t>
+            </a:fld>
+            <a:endParaRPr lang="ru-RU"/>
+          </a:p>
+        </p:txBody>
+      </p:sp>
+    </p:spTree>
+    <p:extLst>
+      <p:ext uri="{BB962C8B-B14F-4D97-AF65-F5344CB8AC3E}">
+        <p14:creationId xmlns:p14="http://schemas.microsoft.com/office/powerpoint/2010/main" val="3571396490"/>
+      </p:ext>
+    </p:extLst>
+  </p:cSld>
+  <p:clrMapOvr>
+    <a:masterClrMapping/>
+  </p:clrMapOvr>
+</p:notes>
+</file>
+
+<file path=ppt/notesSlides/notesSlide6.xml><?xml version="1.0" encoding="utf-8"?>
+<p:notes xmlns:a="http://schemas.openxmlformats.org/drawingml/2006/main" xmlns:r="http://schemas.openxmlformats.org/officeDocument/2006/relationships" xmlns:p="http://schemas.openxmlformats.org/presentationml/2006/main">
+  <p:cSld>
+    <p:spTree>
+      <p:nvGrpSpPr>
+        <p:cNvPr id="1" name=""/>
+        <p:cNvGrpSpPr/>
+        <p:nvPr/>
+      </p:nvGrpSpPr>
+      <p:grpSpPr>
+        <a:xfrm>
+          <a:off x="0" y="0"/>
+          <a:ext cx="0" cy="0"/>
+          <a:chOff x="0" y="0"/>
+          <a:chExt cx="0" cy="0"/>
+        </a:xfrm>
+      </p:grpSpPr>
+      <p:sp>
+        <p:nvSpPr>
+          <p:cNvPr id="2" name="Образ слайда 1"/>
+          <p:cNvSpPr>
+            <a:spLocks noGrp="1" noRot="1" noChangeAspect="1"/>
+          </p:cNvSpPr>
+          <p:nvPr>
+            <p:ph type="sldImg"/>
+          </p:nvPr>
+        </p:nvSpPr>
+        <p:spPr/>
+      </p:sp>
+      <p:sp>
+        <p:nvSpPr>
+          <p:cNvPr id="3" name="Заметки 2"/>
+          <p:cNvSpPr>
+            <a:spLocks noGrp="1"/>
+          </p:cNvSpPr>
+          <p:nvPr>
+            <p:ph type="body" idx="1"/>
+          </p:nvPr>
+        </p:nvSpPr>
+        <p:spPr/>
+        <p:txBody>
+          <a:bodyPr/>
+          <a:lstStyle/>
+          <a:p>
+            <a:pPr marL="0" marR="0" lvl="0" indent="0" algn="l" defTabSz="914400" rtl="0" eaLnBrk="1" fontAlgn="auto" latinLnBrk="0" hangingPunct="1">
+              <a:lnSpc>
+                <a:spcPct val="100000"/>
+              </a:lnSpc>
+              <a:spcBef>
+                <a:spcPts val="0"/>
+              </a:spcBef>
+              <a:spcAft>
+                <a:spcPts val="0"/>
+              </a:spcAft>
+              <a:buClrTx/>
+              <a:buSzTx/>
+              <a:buFontTx/>
+              <a:buNone/>
+              <a:tabLst/>
+              <a:defRPr/>
+            </a:pPr>
+            <a:r>
+              <a:rPr lang="ru-RU" sz="1200" dirty="0">
+                <a:solidFill>
+                  <a:srgbClr val="000000"/>
+                </a:solidFill>
+                <a:effectLst/>
+                <a:latin typeface="Times New Roman" panose="02020603050405020304" pitchFamily="18" charset="0"/>
+                <a:ea typeface="Calibri" panose="020F0502020204030204" pitchFamily="34" charset="0"/>
+                <a:cs typeface="Times New Roman" panose="02020603050405020304" pitchFamily="18" charset="0"/>
+              </a:rPr>
+              <a:t>Таким образом, в результате проведения сравнительного анализа, было принято решение разрабатывать целевую систему, так как ни одна из проанализированных не отвечает в полной мере рассмотренным критериям. Также, на основании проведённого анализа, были сформулированы функциональные требования к будущей системе.</a:t>
+            </a:r>
+            <a:endParaRPr lang="ru-RU" sz="1100" dirty="0">
+              <a:effectLst/>
+              <a:latin typeface="Times New Roman" panose="02020603050405020304" pitchFamily="18" charset="0"/>
+              <a:ea typeface="Calibri" panose="020F0502020204030204" pitchFamily="34" charset="0"/>
+              <a:cs typeface="Times New Roman" panose="02020603050405020304" pitchFamily="18" charset="0"/>
+            </a:endParaRPr>
+          </a:p>
+          <a:p>
+            <a:endParaRPr lang="ru-RU" dirty="0"/>
+          </a:p>
+        </p:txBody>
+      </p:sp>
+      <p:sp>
+        <p:nvSpPr>
+          <p:cNvPr id="4" name="Номер слайда 3"/>
+          <p:cNvSpPr>
+            <a:spLocks noGrp="1"/>
+          </p:cNvSpPr>
+          <p:nvPr>
+            <p:ph type="sldNum" sz="quarter" idx="5"/>
+          </p:nvPr>
+        </p:nvSpPr>
+        <p:spPr/>
+        <p:txBody>
+          <a:bodyPr/>
+          <a:lstStyle/>
+          <a:p>
+            <a:fld id="{DFBC7FCB-A49B-4D65-AABF-F134B0745EA1}" type="slidenum">
+              <a:rPr lang="ru-RU" smtClean="0"/>
+              <a:t>6</a:t>
+            </a:fld>
+            <a:endParaRPr lang="ru-RU"/>
+          </a:p>
+        </p:txBody>
+      </p:sp>
+    </p:spTree>
+    <p:extLst>
+      <p:ext uri="{BB962C8B-B14F-4D97-AF65-F5344CB8AC3E}">
+        <p14:creationId xmlns:p14="http://schemas.microsoft.com/office/powerpoint/2010/main" val="1148650675"/>
       </p:ext>
     </p:extLst>
   </p:cSld>
@@ -5017,7 +5576,7 @@
           <p:nvPr/>
         </p:nvPicPr>
         <p:blipFill>
-          <a:blip r:embed="rId2">
+          <a:blip r:embed="rId3">
             <a:extLst>
               <a:ext uri="{28A0092B-C50C-407E-A947-70E740481C1C}">
                 <a14:useLocalDpi xmlns:a14="http://schemas.microsoft.com/office/drawing/2010/main" val="0"/>
@@ -5053,7 +5612,7 @@
           <p:nvPr/>
         </p:nvPicPr>
         <p:blipFill>
-          <a:blip r:embed="rId3">
+          <a:blip r:embed="rId4">
             <a:extLst>
               <a:ext uri="{28A0092B-C50C-407E-A947-70E740481C1C}">
                 <a14:useLocalDpi xmlns:a14="http://schemas.microsoft.com/office/drawing/2010/main" val="0"/>
@@ -5237,10 +5796,10 @@
           <p:nvPr/>
         </p:nvPicPr>
         <p:blipFill>
-          <a:blip r:embed="rId4">
+          <a:blip r:embed="rId5">
             <a:extLst>
               <a:ext uri="{96DAC541-7B7A-43D3-8B79-37D633B846F1}">
-                <asvg:svgBlip xmlns:asvg="http://schemas.microsoft.com/office/drawing/2016/SVG/main" r:embed="rId5"/>
+                <asvg:svgBlip xmlns:asvg="http://schemas.microsoft.com/office/drawing/2016/SVG/main" r:embed="rId6"/>
               </a:ext>
             </a:extLst>
           </a:blip>
@@ -6549,7 +7108,7 @@
           <p:nvPr/>
         </p:nvPicPr>
         <p:blipFill>
-          <a:blip r:embed="rId2">
+          <a:blip r:embed="rId3">
             <a:extLst>
               <a:ext uri="{28A0092B-C50C-407E-A947-70E740481C1C}">
                 <a14:useLocalDpi xmlns:a14="http://schemas.microsoft.com/office/drawing/2010/main" val="0"/>
@@ -6585,7 +7144,7 @@
           <p:nvPr/>
         </p:nvPicPr>
         <p:blipFill>
-          <a:blip r:embed="rId3">
+          <a:blip r:embed="rId4">
             <a:extLst>
               <a:ext uri="{28A0092B-C50C-407E-A947-70E740481C1C}">
                 <a14:useLocalDpi xmlns:a14="http://schemas.microsoft.com/office/drawing/2010/main" val="0"/>
@@ -6779,10 +7338,10 @@
           <p:nvPr/>
         </p:nvPicPr>
         <p:blipFill>
-          <a:blip r:embed="rId4">
+          <a:blip r:embed="rId5">
             <a:extLst>
               <a:ext uri="{96DAC541-7B7A-43D3-8B79-37D633B846F1}">
-                <asvg:svgBlip xmlns:asvg="http://schemas.microsoft.com/office/drawing/2016/SVG/main" r:embed="rId5"/>
+                <asvg:svgBlip xmlns:asvg="http://schemas.microsoft.com/office/drawing/2016/SVG/main" r:embed="rId6"/>
               </a:ext>
             </a:extLst>
           </a:blip>
@@ -6905,7 +7464,7 @@
           <p:nvPr/>
         </p:nvPicPr>
         <p:blipFill>
-          <a:blip r:embed="rId2">
+          <a:blip r:embed="rId3">
             <a:extLst>
               <a:ext uri="{28A0092B-C50C-407E-A947-70E740481C1C}">
                 <a14:useLocalDpi xmlns:a14="http://schemas.microsoft.com/office/drawing/2010/main" val="0"/>
@@ -6941,7 +7500,7 @@
           <p:nvPr/>
         </p:nvPicPr>
         <p:blipFill>
-          <a:blip r:embed="rId3">
+          <a:blip r:embed="rId4">
             <a:extLst>
               <a:ext uri="{28A0092B-C50C-407E-A947-70E740481C1C}">
                 <a14:useLocalDpi xmlns:a14="http://schemas.microsoft.com/office/drawing/2010/main" val="0"/>
@@ -7076,10 +7635,10 @@
           <p:nvPr/>
         </p:nvPicPr>
         <p:blipFill>
-          <a:blip r:embed="rId4">
+          <a:blip r:embed="rId5">
             <a:extLst>
               <a:ext uri="{96DAC541-7B7A-43D3-8B79-37D633B846F1}">
-                <asvg:svgBlip xmlns:asvg="http://schemas.microsoft.com/office/drawing/2016/SVG/main" r:embed="rId5"/>
+                <asvg:svgBlip xmlns:asvg="http://schemas.microsoft.com/office/drawing/2016/SVG/main" r:embed="rId6"/>
               </a:ext>
             </a:extLst>
           </a:blip>

--- a/Романов И.О. АИТ Презентация.pptx
+++ b/Романов И.О. АИТ Презентация.pptx
@@ -527,7 +527,7 @@
           <a:p>
             <a:r>
               <a:rPr lang="ru-RU" dirty="0"/>
-              <a:t>Тема статьи – Современные средства оценки качества проведённых занятий</a:t>
+              <a:t>Тема доклада – Современные средства оценки качества проведённых занятий</a:t>
             </a:r>
           </a:p>
         </p:txBody>
@@ -1676,7 +1676,16 @@
             </a:endParaRPr>
           </a:p>
           <a:p>
-            <a:endParaRPr lang="ru-RU" dirty="0"/>
+            <a:endParaRPr lang="en-US" dirty="0"/>
+          </a:p>
+          <a:p>
+            <a:endParaRPr lang="en-US" dirty="0"/>
+          </a:p>
+          <a:p>
+            <a:r>
+              <a:rPr lang="ru-RU" dirty="0"/>
+              <a:t>Спасибо за внимание!</a:t>
+            </a:r>
           </a:p>
         </p:txBody>
       </p:sp>
